--- a/doc/NetPontoNVelocity.pptx
+++ b/doc/NetPontoNVelocity.pptx
@@ -217,7 +217,7 @@
             <a:fld id="{ADFD96CD-F9A7-4B23-9F0C-9C94434A7F7D}" type="datetimeFigureOut">
               <a:rPr lang="pt-PT" smtClean="0"/>
               <a:pPr/>
-              <a:t>26/02/14</a:t>
+              <a:t>27/02/14</a:t>
             </a:fld>
             <a:endParaRPr lang="pt-PT"/>
           </a:p>
@@ -384,7 +384,7 @@
             <a:fld id="{F1680C6F-1AC0-45E8-AE4C-9DD1ADA0D880}" type="datetimeFigureOut">
               <a:rPr lang="pt-PT" smtClean="0"/>
               <a:pPr/>
-              <a:t>26/02/14</a:t>
+              <a:t>27/02/14</a:t>
             </a:fld>
             <a:endParaRPr lang="pt-PT"/>
           </a:p>
@@ -745,7 +745,7 @@
             <a:fld id="{81331B57-0BE5-4F82-AA58-76F53EFF3ADA}" type="datetime8">
               <a:rPr lang="en-US" smtClean="0"/>
               <a:pPr/>
-              <a:t>26/02/14 18:49</a:t>
+              <a:t>27/02/14 20:08</a:t>
             </a:fld>
             <a:endParaRPr lang="en-US"/>
           </a:p>
@@ -935,7 +935,7 @@
             <a:fld id="{81331B57-0BE5-4F82-AA58-76F53EFF3ADA}" type="datetime8">
               <a:rPr lang="en-US" smtClean="0"/>
               <a:pPr/>
-              <a:t>26/02/14 20:38</a:t>
+              <a:t>27/02/14 20:08</a:t>
             </a:fld>
             <a:endParaRPr lang="en-US"/>
           </a:p>
@@ -1125,7 +1125,7 @@
             <a:fld id="{81331B57-0BE5-4F82-AA58-76F53EFF3ADA}" type="datetime8">
               <a:rPr lang="en-US" smtClean="0"/>
               <a:pPr/>
-              <a:t>26/02/14 18:49</a:t>
+              <a:t>27/02/14 20:08</a:t>
             </a:fld>
             <a:endParaRPr lang="en-US"/>
           </a:p>
@@ -4367,11 +4367,7 @@
             <a:pPr algn="l"/>
             <a:r>
               <a:rPr lang="en-US" b="0" dirty="0" smtClean="0"/>
-              <a:t>Extend your application </a:t>
-            </a:r>
-            <a:r>
-              <a:rPr lang="en-US" b="0" dirty="0" smtClean="0"/>
-              <a:t>…</a:t>
+              <a:t>Extend your application …</a:t>
             </a:r>
             <a:endParaRPr lang="pt-PT" sz="2100" b="1" dirty="0">
               <a:solidFill>
@@ -4781,40 +4777,7 @@
                   </a:schemeClr>
                 </a:solidFill>
               </a:rPr>
-              <a:t> </a:t>
-            </a:r>
-            <a:r>
-              <a:rPr lang="pt-PT" sz="2800" b="1" dirty="0" smtClean="0">
-                <a:solidFill>
-                  <a:schemeClr val="tx1">
-                    <a:lumMod val="65000"/>
-                    <a:lumOff val="35000"/>
-                  </a:schemeClr>
-                </a:solidFill>
-              </a:rPr>
-              <a:t>Reunião Presencial - </a:t>
-            </a:r>
-            <a:r>
-              <a:rPr lang="pt-PT" sz="2800" b="1" dirty="0" smtClean="0">
-                <a:solidFill>
-                  <a:schemeClr val="tx1">
-                    <a:lumMod val="65000"/>
-                    <a:lumOff val="35000"/>
-                  </a:schemeClr>
-                </a:solidFill>
-              </a:rPr>
-              <a:t>##/##</a:t>
-            </a:r>
-            <a:r>
-              <a:rPr lang="pt-PT" sz="2800" b="1" dirty="0" smtClean="0">
-                <a:solidFill>
-                  <a:schemeClr val="tx1">
-                    <a:lumMod val="65000"/>
-                    <a:lumOff val="35000"/>
-                  </a:schemeClr>
-                </a:solidFill>
-              </a:rPr>
-              <a:t>/####</a:t>
+              <a:t> Reunião Presencial - ##/##/####</a:t>
             </a:r>
             <a:endParaRPr lang="pt-PT" sz="2800" b="1" dirty="0">
               <a:solidFill>
@@ -4882,24 +4845,7 @@
                 <a:ea typeface="+mj-ea"/>
                 <a:cs typeface="+mj-cs"/>
               </a:rPr>
-              <a:t>... with </a:t>
-            </a:r>
-            <a:r>
-              <a:rPr kumimoji="0" lang="en-US" sz="4800" b="0" i="0" u="none" strike="noStrike" kern="1200" cap="none" spc="0" normalizeH="0" baseline="0" noProof="0" dirty="0" smtClean="0">
-                <a:ln>
-                  <a:noFill/>
-                </a:ln>
-                <a:solidFill>
-                  <a:schemeClr val="tx1"/>
-                </a:solidFill>
-                <a:effectLst/>
-                <a:uLnTx/>
-                <a:uFillTx/>
-                <a:latin typeface="+mj-lt"/>
-                <a:ea typeface="+mj-ea"/>
-                <a:cs typeface="+mj-cs"/>
-              </a:rPr>
-              <a:t>MEF </a:t>
+              <a:t>... with MEF </a:t>
             </a:r>
           </a:p>
           <a:p>
@@ -5146,11 +5092,11 @@
   <p:clrMapOvr>
     <a:masterClrMapping/>
   </p:clrMapOvr>
-  <mc:AlternateContent xmlns:mc="http://schemas.openxmlformats.org/markup-compatibility/2006">
-    <mc:Choice xmlns:p14="http://schemas.microsoft.com/office/powerpoint/2010/main" Requires="p14">
+  <mc:AlternateContent xmlns:mc="http://schemas.openxmlformats.org/markup-compatibility/2006" xmlns:p14="http://schemas.microsoft.com/office/powerpoint/2010/main">
+    <mc:Choice Requires="p14">
       <p:transition spd="slow" p14:dur="2000"/>
     </mc:Choice>
-    <mc:Fallback>
+    <mc:Fallback xmlns="">
       <p:transition xmlns:p14="http://schemas.microsoft.com/office/powerpoint/2010/main" spd="slow"/>
     </mc:Fallback>
   </mc:AlternateContent>
@@ -5209,17 +5155,7 @@
                   </a:schemeClr>
                 </a:solidFill>
               </a:rPr>
-              <a:t>“Hello </a:t>
-            </a:r>
-            <a:r>
-              <a:rPr lang="en-US" dirty="0" smtClean="0">
-                <a:solidFill>
-                  <a:schemeClr val="bg1">
-                    <a:lumMod val="50000"/>
-                  </a:schemeClr>
-                </a:solidFill>
-              </a:rPr>
-              <a:t>MEF”</a:t>
+              <a:t>“Hello MEF”</a:t>
             </a:r>
             <a:endParaRPr lang="en-US" dirty="0">
               <a:solidFill>
@@ -5351,11 +5287,11 @@
   <p:clrMapOvr>
     <a:masterClrMapping/>
   </p:clrMapOvr>
-  <mc:AlternateContent xmlns:mc="http://schemas.openxmlformats.org/markup-compatibility/2006">
-    <mc:Choice xmlns:p14="http://schemas.microsoft.com/office/powerpoint/2010/main" Requires="p14">
+  <mc:AlternateContent xmlns:mc="http://schemas.openxmlformats.org/markup-compatibility/2006" xmlns:p14="http://schemas.microsoft.com/office/powerpoint/2010/main">
+    <mc:Choice Requires="p14">
       <p:transition spd="slow" p14:dur="2000"/>
     </mc:Choice>
-    <mc:Fallback>
+    <mc:Fallback xmlns="">
       <p:transition xmlns:p14="http://schemas.microsoft.com/office/powerpoint/2010/main" spd="slow"/>
     </mc:Fallback>
   </mc:AlternateContent>
@@ -6102,11 +6038,7 @@
             </a:r>
             <a:r>
               <a:rPr lang="pt-PT" dirty="0" smtClean="0"/>
-              <a:t> “</a:t>
-            </a:r>
-            <a:r>
-              <a:rPr lang="pt-PT" dirty="0" smtClean="0"/>
-              <a:t>GOLD”</a:t>
+              <a:t> “GOLD”</a:t>
             </a:r>
             <a:endParaRPr lang="pt-PT" dirty="0"/>
           </a:p>
@@ -6660,11 +6592,7 @@
             </a:r>
             <a:r>
               <a:rPr lang="pt-PT" dirty="0" smtClean="0"/>
-              <a:t> “</a:t>
-            </a:r>
-            <a:r>
-              <a:rPr lang="pt-PT" dirty="0" smtClean="0"/>
-              <a:t>Silver”</a:t>
+              <a:t> “Silver”</a:t>
             </a:r>
             <a:endParaRPr lang="pt-PT" dirty="0"/>
           </a:p>
@@ -7052,7 +6980,7 @@
     <a:masterClrMapping/>
   </p:clrMapOvr>
   <mc:AlternateContent xmlns:mc="http://schemas.openxmlformats.org/markup-compatibility/2006">
-    <mc:Choice xmlns:p14="http://schemas.microsoft.com/office/powerpoint/2007/7/12/main" xmlns="" Requires="p14">
+    <mc:Choice xmlns="" xmlns:p14="http://schemas.microsoft.com/office/powerpoint/2007/7/12/main" Requires="p14">
       <p:transition spd="slow" p14:dur="2000"/>
     </mc:Choice>
     <mc:Fallback>
@@ -7107,11 +7035,7 @@
             </a:r>
             <a:r>
               <a:rPr lang="pt-PT" dirty="0" smtClean="0"/>
-              <a:t> “</a:t>
-            </a:r>
-            <a:r>
-              <a:rPr lang="pt-PT" dirty="0" smtClean="0"/>
-              <a:t>Bronze”</a:t>
+              <a:t> “Bronze”</a:t>
             </a:r>
             <a:endParaRPr lang="pt-PT" dirty="0"/>
           </a:p>
@@ -7441,7 +7365,6 @@
               <a:rPr lang="en-US" sz="1000" dirty="0" smtClean="0"/>
               <a:t>Source: </a:t>
             </a:r>
-            <a:endParaRPr lang="en-US" sz="1000" dirty="0" smtClean="0"/>
           </a:p>
           <a:p>
             <a:r>
@@ -7474,13 +7397,7 @@
               <a:rPr lang="pt-PT" sz="1000" dirty="0" smtClean="0">
                 <a:hlinkClick r:id="rId3"/>
               </a:rPr>
-              <a:t>http://www.iconarchive.com/show/social-media-icons-by-</a:t>
-            </a:r>
-            <a:r>
-              <a:rPr lang="pt-PT" sz="1000" dirty="0" smtClean="0">
-                <a:hlinkClick r:id="rId3"/>
-              </a:rPr>
-              <a:t>iconshock.html</a:t>
+              <a:t>http://www.iconarchive.com/show/social-media-icons-by-iconshock.html</a:t>
             </a:r>
             <a:endParaRPr lang="pt-PT" sz="1000" dirty="0" smtClean="0"/>
           </a:p>
@@ -7499,11 +7416,7 @@
             </a:r>
             <a:r>
               <a:rPr lang="en-US" sz="1000" dirty="0"/>
-              <a:t> (120 icons</a:t>
-            </a:r>
-            <a:r>
-              <a:rPr lang="en-US" sz="1000" dirty="0"/>
-              <a:t>): </a:t>
+              <a:t> (120 icons): </a:t>
             </a:r>
             <a:r>
               <a:rPr lang="en-US" sz="1000" dirty="0">
@@ -8416,6 +8329,36 @@
           </a:p>
         </p:txBody>
       </p:sp>
+      <p:pic>
+        <p:nvPicPr>
+          <p:cNvPr id="5" name="Picture 4" descr="fd-fun-logo-orangeSx.png"/>
+          <p:cNvPicPr>
+            <a:picLocks noChangeAspect="1"/>
+          </p:cNvPicPr>
+          <p:nvPr/>
+        </p:nvPicPr>
+        <p:blipFill>
+          <a:blip r:embed="rId6">
+            <a:extLst>
+              <a:ext uri="{28A0092B-C50C-407E-A947-70E740481C1C}">
+                <a14:useLocalDpi xmlns:a14="http://schemas.microsoft.com/office/drawing/2010/main" val="0"/>
+              </a:ext>
+            </a:extLst>
+          </a:blip>
+          <a:stretch>
+            <a:fillRect/>
+          </a:stretch>
+        </p:blipFill>
+        <p:spPr>
+          <a:xfrm>
+            <a:off x="3440832" y="5229200"/>
+            <a:ext cx="3163697" cy="1381125"/>
+          </a:xfrm>
+          <a:prstGeom prst="rect">
+            <a:avLst/>
+          </a:prstGeom>
+        </p:spPr>
+      </p:pic>
     </p:spTree>
     <p:extLst/>
   </p:cSld>
@@ -8423,7 +8366,7 @@
     <a:masterClrMapping/>
   </p:clrMapOvr>
   <mc:AlternateContent xmlns:mc="http://schemas.openxmlformats.org/markup-compatibility/2006">
-    <mc:Choice xmlns="" xmlns:p14="http://schemas.microsoft.com/office/powerpoint/2007/7/12/main" Requires="p14">
+    <mc:Choice xmlns:p14="http://schemas.microsoft.com/office/powerpoint/2007/7/12/main" xmlns="" Requires="p14">
       <p:transition spd="slow" p14:dur="2000"/>
     </mc:Choice>
     <mc:Fallback>
@@ -8567,11 +8510,11 @@
   <p:clrMapOvr>
     <a:masterClrMapping/>
   </p:clrMapOvr>
-  <mc:AlternateContent xmlns:mc="http://schemas.openxmlformats.org/markup-compatibility/2006">
-    <mc:Choice xmlns:p14="http://schemas.microsoft.com/office/powerpoint/2010/main" Requires="p14">
+  <mc:AlternateContent xmlns:mc="http://schemas.openxmlformats.org/markup-compatibility/2006" xmlns:p14="http://schemas.microsoft.com/office/powerpoint/2010/main">
+    <mc:Choice Requires="p14">
       <p:transition spd="slow" p14:dur="2000"/>
     </mc:Choice>
-    <mc:Fallback>
+    <mc:Fallback xmlns="">
       <p:transition xmlns:p14="http://schemas.microsoft.com/office/powerpoint/2010/main" spd="slow"/>
     </mc:Fallback>
   </mc:AlternateContent>
@@ -8665,11 +8608,11 @@
   <p:clrMapOvr>
     <a:masterClrMapping/>
   </p:clrMapOvr>
-  <mc:AlternateContent xmlns:mc="http://schemas.openxmlformats.org/markup-compatibility/2006">
-    <mc:Choice xmlns:p14="http://schemas.microsoft.com/office/powerpoint/2010/main" Requires="p14">
+  <mc:AlternateContent xmlns:mc="http://schemas.openxmlformats.org/markup-compatibility/2006" xmlns:p14="http://schemas.microsoft.com/office/powerpoint/2010/main">
+    <mc:Choice Requires="p14">
       <p:transition spd="slow" p14:dur="2000"/>
     </mc:Choice>
-    <mc:Fallback>
+    <mc:Fallback xmlns="">
       <p:transition xmlns:p14="http://schemas.microsoft.com/office/powerpoint/2010/main" spd="slow"/>
     </mc:Fallback>
   </mc:AlternateContent>
@@ -8759,11 +8702,11 @@
   <p:clrMapOvr>
     <a:masterClrMapping/>
   </p:clrMapOvr>
-  <mc:AlternateContent xmlns:mc="http://schemas.openxmlformats.org/markup-compatibility/2006">
-    <mc:Choice xmlns:p14="http://schemas.microsoft.com/office/powerpoint/2010/main" Requires="p14">
+  <mc:AlternateContent xmlns:mc="http://schemas.openxmlformats.org/markup-compatibility/2006" xmlns:p14="http://schemas.microsoft.com/office/powerpoint/2010/main">
+    <mc:Choice Requires="p14">
       <p:transition spd="slow" p14:dur="2000"/>
     </mc:Choice>
-    <mc:Fallback>
+    <mc:Fallback xmlns="">
       <p:transition xmlns:p14="http://schemas.microsoft.com/office/powerpoint/2010/main" spd="slow"/>
     </mc:Fallback>
   </mc:AlternateContent>
@@ -8822,17 +8765,7 @@
                   </a:schemeClr>
                 </a:solidFill>
               </a:rPr>
-              <a:t>“Hello </a:t>
-            </a:r>
-            <a:r>
-              <a:rPr lang="en-US" dirty="0" smtClean="0">
-                <a:solidFill>
-                  <a:schemeClr val="bg1">
-                    <a:lumMod val="50000"/>
-                  </a:schemeClr>
-                </a:solidFill>
-              </a:rPr>
-              <a:t>MEF”</a:t>
+              <a:t>“Hello MEF”</a:t>
             </a:r>
             <a:endParaRPr lang="en-US" dirty="0">
               <a:solidFill>
@@ -8964,11 +8897,11 @@
   <p:clrMapOvr>
     <a:masterClrMapping/>
   </p:clrMapOvr>
-  <mc:AlternateContent xmlns:mc="http://schemas.openxmlformats.org/markup-compatibility/2006">
-    <mc:Choice xmlns:p14="http://schemas.microsoft.com/office/powerpoint/2010/main" Requires="p14">
+  <mc:AlternateContent xmlns:mc="http://schemas.openxmlformats.org/markup-compatibility/2006" xmlns:p14="http://schemas.microsoft.com/office/powerpoint/2010/main">
+    <mc:Choice Requires="p14">
       <p:transition spd="slow" p14:dur="2000"/>
     </mc:Choice>
-    <mc:Fallback>
+    <mc:Fallback xmlns="">
       <p:transition xmlns:p14="http://schemas.microsoft.com/office/powerpoint/2010/main" spd="slow"/>
     </mc:Fallback>
   </mc:AlternateContent>

--- a/doc/NetPontoNVelocity.pptx
+++ b/doc/NetPontoNVelocity.pptx
@@ -5,10 +5,10 @@
     <p:sldMasterId id="2147483648" r:id="rId2"/>
   </p:sldMasterIdLst>
   <p:notesMasterIdLst>
-    <p:notesMasterId r:id="rId25"/>
+    <p:notesMasterId r:id="rId26"/>
   </p:notesMasterIdLst>
   <p:handoutMasterIdLst>
-    <p:handoutMasterId r:id="rId26"/>
+    <p:handoutMasterId r:id="rId27"/>
   </p:handoutMasterIdLst>
   <p:sldIdLst>
     <p:sldId id="256" r:id="rId3"/>
@@ -16,23 +16,24 @@
     <p:sldId id="343" r:id="rId5"/>
     <p:sldId id="301" r:id="rId6"/>
     <p:sldId id="415" r:id="rId7"/>
-    <p:sldId id="431" r:id="rId8"/>
-    <p:sldId id="432" r:id="rId9"/>
-    <p:sldId id="387" r:id="rId10"/>
-    <p:sldId id="433" r:id="rId11"/>
-    <p:sldId id="434" r:id="rId12"/>
-    <p:sldId id="435" r:id="rId13"/>
-    <p:sldId id="436" r:id="rId14"/>
-    <p:sldId id="416" r:id="rId15"/>
-    <p:sldId id="392" r:id="rId16"/>
-    <p:sldId id="421" r:id="rId17"/>
-    <p:sldId id="328" r:id="rId18"/>
-    <p:sldId id="311" r:id="rId19"/>
-    <p:sldId id="427" r:id="rId20"/>
-    <p:sldId id="428" r:id="rId21"/>
-    <p:sldId id="429" r:id="rId22"/>
-    <p:sldId id="430" r:id="rId23"/>
-    <p:sldId id="293" r:id="rId24"/>
+    <p:sldId id="437" r:id="rId8"/>
+    <p:sldId id="431" r:id="rId9"/>
+    <p:sldId id="432" r:id="rId10"/>
+    <p:sldId id="387" r:id="rId11"/>
+    <p:sldId id="433" r:id="rId12"/>
+    <p:sldId id="434" r:id="rId13"/>
+    <p:sldId id="435" r:id="rId14"/>
+    <p:sldId id="436" r:id="rId15"/>
+    <p:sldId id="416" r:id="rId16"/>
+    <p:sldId id="392" r:id="rId17"/>
+    <p:sldId id="421" r:id="rId18"/>
+    <p:sldId id="328" r:id="rId19"/>
+    <p:sldId id="311" r:id="rId20"/>
+    <p:sldId id="427" r:id="rId21"/>
+    <p:sldId id="428" r:id="rId22"/>
+    <p:sldId id="429" r:id="rId23"/>
+    <p:sldId id="430" r:id="rId24"/>
+    <p:sldId id="293" r:id="rId25"/>
   </p:sldIdLst>
   <p:sldSz cx="9906000" cy="6858000" type="A4"/>
   <p:notesSz cx="6858000" cy="9144000"/>
@@ -217,7 +218,7 @@
             <a:fld id="{ADFD96CD-F9A7-4B23-9F0C-9C94434A7F7D}" type="datetimeFigureOut">
               <a:rPr lang="pt-PT" smtClean="0"/>
               <a:pPr/>
-              <a:t>27/02/14</a:t>
+              <a:t>12/05/2014</a:t>
             </a:fld>
             <a:endParaRPr lang="pt-PT"/>
           </a:p>
@@ -293,7 +294,7 @@
     </p:spTree>
     <p:extLst>
       <p:ext uri="{BB962C8B-B14F-4D97-AF65-F5344CB8AC3E}">
-        <p14:creationId xmlns:p14="http://schemas.microsoft.com/office/powerpoint/2010/main" val="3144946159"/>
+        <p14:creationId xmlns:p14="http://schemas.microsoft.com/office/powerpoint/2010/main" xmlns="" val="3144946159"/>
       </p:ext>
     </p:extLst>
   </p:cSld>
@@ -384,7 +385,7 @@
             <a:fld id="{F1680C6F-1AC0-45E8-AE4C-9DD1ADA0D880}" type="datetimeFigureOut">
               <a:rPr lang="pt-PT" smtClean="0"/>
               <a:pPr/>
-              <a:t>27/02/14</a:t>
+              <a:t>12/05/2014</a:t>
             </a:fld>
             <a:endParaRPr lang="pt-PT"/>
           </a:p>
@@ -553,7 +554,7 @@
     </p:spTree>
     <p:extLst>
       <p:ext uri="{BB962C8B-B14F-4D97-AF65-F5344CB8AC3E}">
-        <p14:creationId xmlns:p14="http://schemas.microsoft.com/office/powerpoint/2010/main" val="2182160581"/>
+        <p14:creationId xmlns:p14="http://schemas.microsoft.com/office/powerpoint/2010/main" xmlns="" val="2182160581"/>
       </p:ext>
     </p:extLst>
   </p:cSld>
@@ -745,7 +746,7 @@
             <a:fld id="{81331B57-0BE5-4F82-AA58-76F53EFF3ADA}" type="datetime8">
               <a:rPr lang="en-US" smtClean="0"/>
               <a:pPr/>
-              <a:t>27/02/14 20:08</a:t>
+              <a:t>5/12/2014 7:09 PM</a:t>
             </a:fld>
             <a:endParaRPr lang="en-US"/>
           </a:p>
@@ -829,7 +830,7 @@
             <a:fld id="{EC87E0CF-87F6-4B58-B8B8-DCAB2DAAF3CA}" type="slidenum">
               <a:rPr lang="en-US" smtClean="0"/>
               <a:pPr/>
-              <a:t>8</a:t>
+              <a:t>9</a:t>
             </a:fld>
             <a:endParaRPr lang="en-US" dirty="0"/>
           </a:p>
@@ -935,7 +936,7 @@
             <a:fld id="{81331B57-0BE5-4F82-AA58-76F53EFF3ADA}" type="datetime8">
               <a:rPr lang="en-US" smtClean="0"/>
               <a:pPr/>
-              <a:t>27/02/14 20:08</a:t>
+              <a:t>5/12/2014 7:09 PM</a:t>
             </a:fld>
             <a:endParaRPr lang="en-US"/>
           </a:p>
@@ -1019,7 +1020,7 @@
             <a:fld id="{EC87E0CF-87F6-4B58-B8B8-DCAB2DAAF3CA}" type="slidenum">
               <a:rPr lang="en-US" smtClean="0"/>
               <a:pPr/>
-              <a:t>11</a:t>
+              <a:t>12</a:t>
             </a:fld>
             <a:endParaRPr lang="en-US" dirty="0"/>
           </a:p>
@@ -1125,7 +1126,7 @@
             <a:fld id="{81331B57-0BE5-4F82-AA58-76F53EFF3ADA}" type="datetime8">
               <a:rPr lang="en-US" smtClean="0"/>
               <a:pPr/>
-              <a:t>27/02/14 20:08</a:t>
+              <a:t>5/12/2014 7:09 PM</a:t>
             </a:fld>
             <a:endParaRPr lang="en-US"/>
           </a:p>
@@ -1209,7 +1210,7 @@
             <a:fld id="{EC87E0CF-87F6-4B58-B8B8-DCAB2DAAF3CA}" type="slidenum">
               <a:rPr lang="en-US" smtClean="0"/>
               <a:pPr/>
-              <a:t>14</a:t>
+              <a:t>15</a:t>
             </a:fld>
             <a:endParaRPr lang="en-US" dirty="0"/>
           </a:p>
@@ -1289,7 +1290,7 @@
             <a:fld id="{4A3EE754-1482-4D08-B801-58AD7081021E}" type="slidenum">
               <a:rPr lang="pt-PT" smtClean="0"/>
               <a:pPr/>
-              <a:t>22</a:t>
+              <a:t>23</a:t>
             </a:fld>
             <a:endParaRPr lang="pt-PT"/>
           </a:p>
@@ -1547,7 +1548,7 @@
   <p:timing>
     <p:tnLst>
       <p:par>
-        <p:cTn xmlns:p14="http://schemas.microsoft.com/office/powerpoint/2010/main" id="1" dur="indefinite" restart="never" nodeType="tmRoot"/>
+        <p:cTn id="1" dur="indefinite" restart="never" nodeType="tmRoot"/>
       </p:par>
     </p:tnLst>
   </p:timing>
@@ -1738,7 +1739,7 @@
   <p:timing>
     <p:tnLst>
       <p:par>
-        <p:cTn xmlns:p14="http://schemas.microsoft.com/office/powerpoint/2010/main" id="1" dur="indefinite" restart="never" nodeType="tmRoot"/>
+        <p:cTn id="1" dur="indefinite" restart="never" nodeType="tmRoot"/>
       </p:par>
     </p:tnLst>
   </p:timing>
@@ -1852,7 +1853,7 @@
   <p:timing>
     <p:tnLst>
       <p:par>
-        <p:cTn xmlns:p14="http://schemas.microsoft.com/office/powerpoint/2010/main" id="1" dur="indefinite" restart="never" nodeType="tmRoot"/>
+        <p:cTn id="1" dur="indefinite" restart="never" nodeType="tmRoot"/>
       </p:par>
     </p:tnLst>
   </p:timing>
@@ -1976,7 +1977,7 @@
   <p:timing>
     <p:tnLst>
       <p:par>
-        <p:cTn xmlns:p14="http://schemas.microsoft.com/office/powerpoint/2010/main" id="1" dur="indefinite" restart="never" nodeType="tmRoot"/>
+        <p:cTn id="1" dur="indefinite" restart="never" nodeType="tmRoot"/>
       </p:par>
     </p:tnLst>
   </p:timing>
@@ -2285,7 +2286,7 @@
   <p:clrMapOvr>
     <a:masterClrMapping/>
   </p:clrMapOvr>
-  <p:transition xmlns:p14="http://schemas.microsoft.com/office/powerpoint/2010/main">
+  <p:transition>
     <p:fade/>
   </p:transition>
 </p:sldLayout>
@@ -2398,7 +2399,7 @@
   <p:timing>
     <p:tnLst>
       <p:par>
-        <p:cTn xmlns:p14="http://schemas.microsoft.com/office/powerpoint/2010/main" id="1" dur="indefinite" restart="never" nodeType="tmRoot"/>
+        <p:cTn id="1" dur="indefinite" restart="never" nodeType="tmRoot"/>
       </p:par>
     </p:tnLst>
   </p:timing>
@@ -2582,7 +2583,7 @@
   <p:timing>
     <p:tnLst>
       <p:par>
-        <p:cTn xmlns:p14="http://schemas.microsoft.com/office/powerpoint/2010/main" id="1" dur="indefinite" restart="never" nodeType="tmRoot"/>
+        <p:cTn id="1" dur="indefinite" restart="never" nodeType="tmRoot"/>
       </p:par>
     </p:tnLst>
   </p:timing>
@@ -2814,7 +2815,7 @@
   <p:timing>
     <p:tnLst>
       <p:par>
-        <p:cTn xmlns:p14="http://schemas.microsoft.com/office/powerpoint/2010/main" id="1" dur="indefinite" restart="never" nodeType="tmRoot"/>
+        <p:cTn id="1" dur="indefinite" restart="never" nodeType="tmRoot"/>
       </p:par>
     </p:tnLst>
   </p:timing>
@@ -3176,7 +3177,7 @@
   <p:timing>
     <p:tnLst>
       <p:par>
-        <p:cTn xmlns:p14="http://schemas.microsoft.com/office/powerpoint/2010/main" id="1" dur="indefinite" restart="never" nodeType="tmRoot"/>
+        <p:cTn id="1" dur="indefinite" restart="never" nodeType="tmRoot"/>
       </p:par>
     </p:tnLst>
   </p:timing>
@@ -3324,7 +3325,7 @@
   <p:timing>
     <p:tnLst>
       <p:par>
-        <p:cTn xmlns:p14="http://schemas.microsoft.com/office/powerpoint/2010/main" id="1" dur="indefinite" restart="never" nodeType="tmRoot"/>
+        <p:cTn id="1" dur="indefinite" restart="never" nodeType="tmRoot"/>
       </p:par>
     </p:tnLst>
   </p:timing>
@@ -3441,7 +3442,7 @@
   <p:timing>
     <p:tnLst>
       <p:par>
-        <p:cTn xmlns:p14="http://schemas.microsoft.com/office/powerpoint/2010/main" id="1" dur="indefinite" restart="never" nodeType="tmRoot"/>
+        <p:cTn id="1" dur="indefinite" restart="never" nodeType="tmRoot"/>
       </p:par>
     </p:tnLst>
   </p:timing>
@@ -3598,7 +3599,7 @@
   <p:timing>
     <p:tnLst>
       <p:par>
-        <p:cTn xmlns:p14="http://schemas.microsoft.com/office/powerpoint/2010/main" id="1" dur="indefinite" restart="never" nodeType="tmRoot"/>
+        <p:cTn id="1" dur="indefinite" restart="never" nodeType="tmRoot"/>
       </p:par>
     </p:tnLst>
   </p:timing>
@@ -3813,7 +3814,7 @@
   <p:timing>
     <p:tnLst>
       <p:par>
-        <p:cTn xmlns:p14="http://schemas.microsoft.com/office/powerpoint/2010/main" id="1" dur="indefinite" restart="never" nodeType="tmRoot"/>
+        <p:cTn id="1" dur="indefinite" restart="never" nodeType="tmRoot"/>
       </p:par>
     </p:tnLst>
   </p:timing>
@@ -4067,7 +4068,7 @@
   <p:timing>
     <p:tnLst>
       <p:par>
-        <p:cTn xmlns:p14="http://schemas.microsoft.com/office/powerpoint/2010/main" id="1" dur="indefinite" restart="never" nodeType="tmRoot"/>
+        <p:cTn id="1" dur="indefinite" restart="never" nodeType="tmRoot"/>
       </p:par>
     </p:tnLst>
   </p:timing>
@@ -4367,7 +4368,7 @@
             <a:pPr algn="l"/>
             <a:r>
               <a:rPr lang="en-US" b="0" dirty="0" smtClean="0"/>
-              <a:t>Extend your application …</a:t>
+              <a:t>Give more live to your application…</a:t>
             </a:r>
             <a:endParaRPr lang="pt-PT" sz="2100" b="1" dirty="0">
               <a:solidFill>
@@ -4755,10 +4756,10 @@
                   </a:schemeClr>
                 </a:solidFill>
               </a:rPr>
-              <a:t>##</a:t>
-            </a:r>
-            <a:r>
-              <a:rPr lang="pt-PT" sz="2800" b="1" dirty="0" err="1" smtClean="0">
+              <a:t>47</a:t>
+            </a:r>
+            <a:r>
+              <a:rPr lang="pt-PT" sz="2800" b="1" dirty="0" smtClean="0">
                 <a:solidFill>
                   <a:schemeClr val="tx1">
                     <a:lumMod val="65000"/>
@@ -4766,7 +4767,7 @@
                   </a:schemeClr>
                 </a:solidFill>
               </a:rPr>
-              <a:t>ª</a:t>
+              <a:t>ª </a:t>
             </a:r>
             <a:r>
               <a:rPr lang="pt-PT" sz="2800" b="1" dirty="0" smtClean="0">
@@ -4777,7 +4778,29 @@
                   </a:schemeClr>
                 </a:solidFill>
               </a:rPr>
-              <a:t> Reunião Presencial - ##/##/####</a:t>
+              <a:t>Reunião Presencial - </a:t>
+            </a:r>
+            <a:r>
+              <a:rPr lang="pt-PT" sz="2800" b="1" dirty="0" smtClean="0">
+                <a:solidFill>
+                  <a:schemeClr val="tx1">
+                    <a:lumMod val="65000"/>
+                    <a:lumOff val="35000"/>
+                  </a:schemeClr>
+                </a:solidFill>
+              </a:rPr>
+              <a:t>31</a:t>
+            </a:r>
+            <a:r>
+              <a:rPr lang="pt-PT" sz="2800" b="1" dirty="0" smtClean="0">
+                <a:solidFill>
+                  <a:schemeClr val="tx1">
+                    <a:lumMod val="65000"/>
+                    <a:lumOff val="35000"/>
+                  </a:schemeClr>
+                </a:solidFill>
+              </a:rPr>
+              <a:t>/05/2014</a:t>
             </a:r>
             <a:endParaRPr lang="pt-PT" sz="2800" b="1" dirty="0">
               <a:solidFill>
@@ -4845,7 +4868,83 @@
                 <a:ea typeface="+mj-ea"/>
                 <a:cs typeface="+mj-cs"/>
               </a:rPr>
-              <a:t>... with MEF </a:t>
+              <a:t>... </a:t>
+            </a:r>
+            <a:r>
+              <a:rPr lang="en-US" sz="4800" noProof="0" dirty="0" smtClean="0">
+                <a:latin typeface="+mj-lt"/>
+                <a:ea typeface="+mj-ea"/>
+                <a:cs typeface="+mj-cs"/>
+              </a:rPr>
+              <a:t>e</a:t>
+            </a:r>
+            <a:r>
+              <a:rPr kumimoji="0" lang="en-US" sz="4800" b="0" i="0" u="none" strike="noStrike" kern="1200" cap="none" spc="0" normalizeH="0" baseline="0" noProof="0" dirty="0" smtClean="0">
+                <a:ln>
+                  <a:noFill/>
+                </a:ln>
+                <a:solidFill>
+                  <a:schemeClr val="tx1"/>
+                </a:solidFill>
+                <a:effectLst/>
+                <a:uLnTx/>
+                <a:uFillTx/>
+                <a:latin typeface="+mj-lt"/>
+                <a:ea typeface="+mj-ea"/>
+                <a:cs typeface="+mj-cs"/>
+              </a:rPr>
+              <a:t>xtending</a:t>
+            </a:r>
+            <a:r>
+              <a:rPr kumimoji="0" lang="en-US" sz="4800" b="0" i="0" u="none" strike="noStrike" kern="1200" cap="none" spc="0" normalizeH="0" noProof="0" dirty="0" smtClean="0">
+                <a:ln>
+                  <a:noFill/>
+                </a:ln>
+                <a:solidFill>
+                  <a:schemeClr val="tx1"/>
+                </a:solidFill>
+                <a:effectLst/>
+                <a:uLnTx/>
+                <a:uFillTx/>
+                <a:latin typeface="+mj-lt"/>
+                <a:ea typeface="+mj-ea"/>
+                <a:cs typeface="+mj-cs"/>
+              </a:rPr>
+              <a:t> it </a:t>
+            </a:r>
+            <a:r>
+              <a:rPr kumimoji="0" lang="en-US" sz="4800" b="0" i="0" u="none" strike="noStrike" kern="1200" cap="none" spc="0" normalizeH="0" baseline="0" noProof="0" dirty="0" smtClean="0">
+                <a:ln>
+                  <a:noFill/>
+                </a:ln>
+                <a:solidFill>
+                  <a:schemeClr val="tx1"/>
+                </a:solidFill>
+                <a:effectLst/>
+                <a:uLnTx/>
+                <a:uFillTx/>
+                <a:latin typeface="+mj-lt"/>
+                <a:ea typeface="+mj-ea"/>
+                <a:cs typeface="+mj-cs"/>
+              </a:rPr>
+              <a:t>with </a:t>
+            </a:r>
+            <a:r>
+              <a:rPr kumimoji="0" lang="en-US" sz="4800" b="0" i="0" u="none" strike="noStrike" kern="1200" cap="none" spc="0" normalizeH="0" baseline="0" noProof="0" dirty="0" smtClean="0">
+                <a:ln>
+                  <a:noFill/>
+                </a:ln>
+                <a:solidFill>
+                  <a:schemeClr val="tx1"/>
+                </a:solidFill>
+                <a:effectLst/>
+                <a:uLnTx/>
+                <a:uFillTx/>
+                <a:latin typeface="+mj-lt"/>
+                <a:ea typeface="+mj-ea"/>
+                <a:cs typeface="+mj-cs"/>
+              </a:rPr>
+              <a:t>MEF </a:t>
             </a:r>
           </a:p>
           <a:p>
@@ -5013,7 +5112,7 @@
   <p:timing>
     <p:tnLst>
       <p:par>
-        <p:cTn xmlns:p14="http://schemas.microsoft.com/office/powerpoint/2010/main" id="1" dur="indefinite" restart="never" nodeType="tmRoot"/>
+        <p:cTn id="1" dur="indefinite" restart="never" nodeType="tmRoot"/>
       </p:par>
     </p:tnLst>
   </p:timing>
@@ -5063,12 +5162,8 @@
               <a:buNone/>
             </a:pPr>
             <a:r>
-              <a:rPr lang="pt-PT" sz="9600" dirty="0"/>
-              <a:t>Some </a:t>
-            </a:r>
-            <a:r>
               <a:rPr lang="pt-PT" sz="9600" dirty="0" err="1"/>
-              <a:t>advanced</a:t>
+              <a:t>One</a:t>
             </a:r>
             <a:r>
               <a:rPr lang="pt-PT" sz="9600" dirty="0"/>
@@ -5076,7 +5171,15 @@
             </a:r>
             <a:r>
               <a:rPr lang="pt-PT" sz="9600" dirty="0" err="1"/>
-              <a:t>topics</a:t>
+              <a:t>step</a:t>
+            </a:r>
+            <a:r>
+              <a:rPr lang="pt-PT" sz="9600" dirty="0"/>
+              <a:t> </a:t>
+            </a:r>
+            <a:r>
+              <a:rPr lang="pt-PT" sz="9600" dirty="0" err="1"/>
+              <a:t>forward</a:t>
             </a:r>
             <a:endParaRPr lang="pt-PT" sz="9600" dirty="0"/>
           </a:p>
@@ -5085,25 +5188,25 @@
     </p:spTree>
     <p:extLst>
       <p:ext uri="{BB962C8B-B14F-4D97-AF65-F5344CB8AC3E}">
-        <p14:creationId xmlns:p14="http://schemas.microsoft.com/office/powerpoint/2010/main" val="2316650024"/>
+        <p14:creationId xmlns:p14="http://schemas.microsoft.com/office/powerpoint/2010/main" xmlns="" val="2136643878"/>
       </p:ext>
     </p:extLst>
   </p:cSld>
   <p:clrMapOvr>
     <a:masterClrMapping/>
   </p:clrMapOvr>
-  <mc:AlternateContent xmlns:mc="http://schemas.openxmlformats.org/markup-compatibility/2006" xmlns:p14="http://schemas.microsoft.com/office/powerpoint/2010/main">
-    <mc:Choice Requires="p14">
+  <mc:AlternateContent xmlns:mc="http://schemas.openxmlformats.org/markup-compatibility/2006">
+    <mc:Choice xmlns:p14="http://schemas.microsoft.com/office/powerpoint/2010/main" xmlns="" Requires="p14">
       <p:transition spd="slow" p14:dur="2000"/>
     </mc:Choice>
-    <mc:Fallback xmlns="">
-      <p:transition xmlns:p14="http://schemas.microsoft.com/office/powerpoint/2010/main" spd="slow"/>
+    <mc:Fallback>
+      <p:transition spd="slow"/>
     </mc:Fallback>
   </mc:AlternateContent>
   <p:timing>
     <p:tnLst>
       <p:par>
-        <p:cTn xmlns:p14="http://schemas.microsoft.com/office/powerpoint/2010/main" id="1" dur="indefinite" restart="never" nodeType="tmRoot"/>
+        <p:cTn id="1" dur="indefinite" restart="never" nodeType="tmRoot"/>
       </p:par>
     </p:tnLst>
   </p:timing>
@@ -5129,86 +5232,71 @@
       </p:grpSpPr>
       <p:sp>
         <p:nvSpPr>
-          <p:cNvPr id="2" name="Title 1"/>
+          <p:cNvPr id="3" name="Content Placeholder 2"/>
           <p:cNvSpPr>
             <a:spLocks noGrp="1"/>
           </p:cNvSpPr>
           <p:nvPr>
-            <p:ph type="ctrTitle"/>
+            <p:ph idx="1"/>
           </p:nvPr>
         </p:nvSpPr>
         <p:spPr>
           <a:xfrm>
-            <a:off x="2809860" y="4038600"/>
-            <a:ext cx="6292359" cy="1319226"/>
+            <a:off x="488504" y="2957374"/>
+            <a:ext cx="8820980" cy="943253"/>
           </a:xfrm>
         </p:spPr>
         <p:txBody>
-          <a:bodyPr/>
+          <a:bodyPr>
+            <a:normAutofit fontScale="70000" lnSpcReduction="20000"/>
+          </a:bodyPr>
           <a:lstStyle/>
           <a:p>
-            <a:r>
-              <a:rPr lang="en-US" dirty="0" smtClean="0">
-                <a:solidFill>
-                  <a:schemeClr val="bg1">
-                    <a:lumMod val="50000"/>
-                  </a:schemeClr>
-                </a:solidFill>
-              </a:rPr>
-              <a:t>“Hello MEF”</a:t>
-            </a:r>
-            <a:endParaRPr lang="en-US" dirty="0">
-              <a:solidFill>
-                <a:schemeClr val="bg1">
-                  <a:lumMod val="50000"/>
-                </a:schemeClr>
-              </a:solidFill>
-            </a:endParaRPr>
-          </a:p>
-        </p:txBody>
-      </p:sp>
-      <p:sp>
-        <p:nvSpPr>
-          <p:cNvPr id="4" name="Text Placeholder 3"/>
-          <p:cNvSpPr>
-            <a:spLocks noGrp="1"/>
-          </p:cNvSpPr>
-          <p:nvPr>
-            <p:ph type="body" sz="quarter" idx="10"/>
-          </p:nvPr>
-        </p:nvSpPr>
-        <p:spPr/>
-        <p:txBody>
-          <a:bodyPr/>
-          <a:lstStyle/>
-          <a:p>
-            <a:r>
-              <a:rPr lang="en-US" dirty="0" err="1" smtClean="0"/>
-              <a:t>demonstração</a:t>
-            </a:r>
-            <a:r>
-              <a:rPr lang="en-US" dirty="0" smtClean="0"/>
+            <a:pPr algn="ctr">
+              <a:buNone/>
+            </a:pPr>
+            <a:r>
+              <a:rPr lang="pt-PT" sz="9600" dirty="0"/>
+              <a:t>Some </a:t>
+            </a:r>
+            <a:r>
+              <a:rPr lang="pt-PT" sz="9600" dirty="0" err="1"/>
+              <a:t>advanced</a:t>
+            </a:r>
+            <a:r>
+              <a:rPr lang="pt-PT" sz="9600" dirty="0"/>
               <a:t> </a:t>
             </a:r>
-            <a:endParaRPr lang="en-US" dirty="0"/>
+            <a:r>
+              <a:rPr lang="pt-PT" sz="9600" dirty="0" err="1"/>
+              <a:t>topics</a:t>
+            </a:r>
+            <a:endParaRPr lang="pt-PT" sz="9600" dirty="0"/>
           </a:p>
         </p:txBody>
       </p:sp>
     </p:spTree>
     <p:extLst>
       <p:ext uri="{BB962C8B-B14F-4D97-AF65-F5344CB8AC3E}">
-        <p14:creationId xmlns:p14="http://schemas.microsoft.com/office/powerpoint/2010/main" val="2265282571"/>
+        <p14:creationId xmlns:p14="http://schemas.microsoft.com/office/powerpoint/2010/main" xmlns="" val="2316650024"/>
       </p:ext>
     </p:extLst>
   </p:cSld>
   <p:clrMapOvr>
     <a:masterClrMapping/>
   </p:clrMapOvr>
-  <p:transition xmlns:p14="http://schemas.microsoft.com/office/powerpoint/2010/main"/>
+  <mc:AlternateContent xmlns:mc="http://schemas.openxmlformats.org/markup-compatibility/2006">
+    <mc:Choice xmlns:p14="http://schemas.microsoft.com/office/powerpoint/2010/main" xmlns="" Requires="p14">
+      <p:transition spd="slow" p14:dur="2000"/>
+    </mc:Choice>
+    <mc:Fallback>
+      <p:transition spd="slow"/>
+    </mc:Fallback>
+  </mc:AlternateContent>
   <p:timing>
     <p:tnLst>
       <p:par>
-        <p:cTn xmlns:p14="http://schemas.microsoft.com/office/powerpoint/2010/main" id="1" dur="indefinite" restart="never" nodeType="tmRoot"/>
+        <p:cTn id="1" dur="indefinite" restart="never" nodeType="tmRoot"/>
       </p:par>
     </p:tnLst>
   </p:timing>
@@ -5234,71 +5322,86 @@
       </p:grpSpPr>
       <p:sp>
         <p:nvSpPr>
-          <p:cNvPr id="3" name="Content Placeholder 2"/>
+          <p:cNvPr id="2" name="Title 1"/>
           <p:cNvSpPr>
             <a:spLocks noGrp="1"/>
           </p:cNvSpPr>
           <p:nvPr>
-            <p:ph idx="1"/>
+            <p:ph type="ctrTitle"/>
           </p:nvPr>
         </p:nvSpPr>
         <p:spPr>
           <a:xfrm>
-            <a:off x="488504" y="2957374"/>
-            <a:ext cx="8820980" cy="943253"/>
+            <a:off x="2809860" y="4038600"/>
+            <a:ext cx="6292359" cy="1319226"/>
           </a:xfrm>
         </p:spPr>
         <p:txBody>
-          <a:bodyPr>
-            <a:normAutofit fontScale="70000" lnSpcReduction="20000"/>
-          </a:bodyPr>
+          <a:bodyPr/>
           <a:lstStyle/>
           <a:p>
-            <a:pPr algn="ctr">
-              <a:buNone/>
-            </a:pPr>
-            <a:r>
-              <a:rPr lang="pt-PT" sz="9600" dirty="0"/>
-              <a:t>MEF play </a:t>
-            </a:r>
-            <a:r>
-              <a:rPr lang="pt-PT" sz="9600" dirty="0" err="1"/>
-              <a:t>with</a:t>
-            </a:r>
-            <a:r>
-              <a:rPr lang="pt-PT" sz="9600" dirty="0"/>
+            <a:r>
+              <a:rPr lang="en-US" dirty="0" smtClean="0">
+                <a:solidFill>
+                  <a:schemeClr val="bg1">
+                    <a:lumMod val="50000"/>
+                  </a:schemeClr>
+                </a:solidFill>
+              </a:rPr>
+              <a:t>“Hello MEF”</a:t>
+            </a:r>
+            <a:endParaRPr lang="en-US" dirty="0">
+              <a:solidFill>
+                <a:schemeClr val="bg1">
+                  <a:lumMod val="50000"/>
+                </a:schemeClr>
+              </a:solidFill>
+            </a:endParaRPr>
+          </a:p>
+        </p:txBody>
+      </p:sp>
+      <p:sp>
+        <p:nvSpPr>
+          <p:cNvPr id="4" name="Text Placeholder 3"/>
+          <p:cNvSpPr>
+            <a:spLocks noGrp="1"/>
+          </p:cNvSpPr>
+          <p:nvPr>
+            <p:ph type="body" sz="quarter" idx="10"/>
+          </p:nvPr>
+        </p:nvSpPr>
+        <p:spPr/>
+        <p:txBody>
+          <a:bodyPr/>
+          <a:lstStyle/>
+          <a:p>
+            <a:r>
+              <a:rPr lang="en-US" dirty="0" err="1" smtClean="0"/>
+              <a:t>demonstração</a:t>
+            </a:r>
+            <a:r>
+              <a:rPr lang="en-US" dirty="0" smtClean="0"/>
               <a:t> </a:t>
             </a:r>
-            <a:r>
-              <a:rPr lang="pt-PT" sz="9600" dirty="0" err="1" smtClean="0"/>
-              <a:t>others</a:t>
-            </a:r>
-            <a:endParaRPr lang="pt-PT" sz="9600" dirty="0"/>
+            <a:endParaRPr lang="en-US" dirty="0"/>
           </a:p>
         </p:txBody>
       </p:sp>
     </p:spTree>
     <p:extLst>
       <p:ext uri="{BB962C8B-B14F-4D97-AF65-F5344CB8AC3E}">
-        <p14:creationId xmlns:p14="http://schemas.microsoft.com/office/powerpoint/2010/main" val="546055700"/>
+        <p14:creationId xmlns:p14="http://schemas.microsoft.com/office/powerpoint/2010/main" xmlns="" val="2265282571"/>
       </p:ext>
     </p:extLst>
   </p:cSld>
   <p:clrMapOvr>
     <a:masterClrMapping/>
   </p:clrMapOvr>
-  <mc:AlternateContent xmlns:mc="http://schemas.openxmlformats.org/markup-compatibility/2006" xmlns:p14="http://schemas.microsoft.com/office/powerpoint/2010/main">
-    <mc:Choice Requires="p14">
-      <p:transition spd="slow" p14:dur="2000"/>
-    </mc:Choice>
-    <mc:Fallback xmlns="">
-      <p:transition xmlns:p14="http://schemas.microsoft.com/office/powerpoint/2010/main" spd="slow"/>
-    </mc:Fallback>
-  </mc:AlternateContent>
+  <p:transition/>
   <p:timing>
     <p:tnLst>
       <p:par>
-        <p:cTn xmlns:p14="http://schemas.microsoft.com/office/powerpoint/2010/main" id="1" dur="indefinite" restart="never" nodeType="tmRoot"/>
+        <p:cTn id="1" dur="indefinite" restart="never" nodeType="tmRoot"/>
       </p:par>
     </p:tnLst>
   </p:timing>
@@ -5306,6 +5409,96 @@
 </file>
 
 <file path=ppt/slides/slide13.xml><?xml version="1.0" encoding="utf-8"?>
+<p:sld xmlns:a="http://schemas.openxmlformats.org/drawingml/2006/main" xmlns:r="http://schemas.openxmlformats.org/officeDocument/2006/relationships" xmlns:p="http://schemas.openxmlformats.org/presentationml/2006/main">
+  <p:cSld>
+    <p:spTree>
+      <p:nvGrpSpPr>
+        <p:cNvPr id="1" name=""/>
+        <p:cNvGrpSpPr/>
+        <p:nvPr/>
+      </p:nvGrpSpPr>
+      <p:grpSpPr>
+        <a:xfrm>
+          <a:off x="0" y="0"/>
+          <a:ext cx="0" cy="0"/>
+          <a:chOff x="0" y="0"/>
+          <a:chExt cx="0" cy="0"/>
+        </a:xfrm>
+      </p:grpSpPr>
+      <p:sp>
+        <p:nvSpPr>
+          <p:cNvPr id="3" name="Content Placeholder 2"/>
+          <p:cNvSpPr>
+            <a:spLocks noGrp="1"/>
+          </p:cNvSpPr>
+          <p:nvPr>
+            <p:ph idx="1"/>
+          </p:nvPr>
+        </p:nvSpPr>
+        <p:spPr>
+          <a:xfrm>
+            <a:off x="488504" y="2957374"/>
+            <a:ext cx="8820980" cy="943253"/>
+          </a:xfrm>
+        </p:spPr>
+        <p:txBody>
+          <a:bodyPr>
+            <a:normAutofit fontScale="70000" lnSpcReduction="20000"/>
+          </a:bodyPr>
+          <a:lstStyle/>
+          <a:p>
+            <a:pPr algn="ctr">
+              <a:buNone/>
+            </a:pPr>
+            <a:r>
+              <a:rPr lang="pt-PT" sz="9600" dirty="0"/>
+              <a:t>MEF play </a:t>
+            </a:r>
+            <a:r>
+              <a:rPr lang="pt-PT" sz="9600" dirty="0" err="1"/>
+              <a:t>with</a:t>
+            </a:r>
+            <a:r>
+              <a:rPr lang="pt-PT" sz="9600" dirty="0"/>
+              <a:t> </a:t>
+            </a:r>
+            <a:r>
+              <a:rPr lang="pt-PT" sz="9600" dirty="0" err="1" smtClean="0"/>
+              <a:t>others</a:t>
+            </a:r>
+            <a:endParaRPr lang="pt-PT" sz="9600" dirty="0"/>
+          </a:p>
+        </p:txBody>
+      </p:sp>
+    </p:spTree>
+    <p:extLst>
+      <p:ext uri="{BB962C8B-B14F-4D97-AF65-F5344CB8AC3E}">
+        <p14:creationId xmlns:p14="http://schemas.microsoft.com/office/powerpoint/2010/main" xmlns="" val="546055700"/>
+      </p:ext>
+    </p:extLst>
+  </p:cSld>
+  <p:clrMapOvr>
+    <a:masterClrMapping/>
+  </p:clrMapOvr>
+  <mc:AlternateContent xmlns:mc="http://schemas.openxmlformats.org/markup-compatibility/2006">
+    <mc:Choice xmlns:p14="http://schemas.microsoft.com/office/powerpoint/2010/main" xmlns="" Requires="p14">
+      <p:transition spd="slow" p14:dur="2000"/>
+    </mc:Choice>
+    <mc:Fallback>
+      <p:transition spd="slow"/>
+    </mc:Fallback>
+  </mc:AlternateContent>
+  <p:timing>
+    <p:tnLst>
+      <p:par>
+        <p:cTn id="1" dur="indefinite" restart="never" nodeType="tmRoot"/>
+      </p:par>
+    </p:tnLst>
+  </p:timing>
+</p:sld>
+</file>
+
+<file path=ppt/slides/slide14.xml><?xml version="1.0" encoding="utf-8"?>
 <p:sld xmlns:a="http://schemas.openxmlformats.org/drawingml/2006/main" xmlns:r="http://schemas.openxmlformats.org/officeDocument/2006/relationships" xmlns:p="http://schemas.openxmlformats.org/presentationml/2006/main" show="0">
   <p:cSld>
     <p:spTree>
@@ -5414,17 +5607,17 @@
     <a:masterClrMapping/>
   </p:clrMapOvr>
   <mc:AlternateContent xmlns:mc="http://schemas.openxmlformats.org/markup-compatibility/2006">
-    <mc:Choice xmlns:p14="http://schemas.microsoft.com/office/powerpoint/2010/main" Requires="p14">
+    <mc:Choice xmlns:p14="http://schemas.microsoft.com/office/powerpoint/2010/main" xmlns="" Requires="p14">
       <p:transition spd="slow" p14:dur="2000"/>
     </mc:Choice>
     <mc:Fallback>
-      <p:transition xmlns:p14="http://schemas.microsoft.com/office/powerpoint/2010/main" spd="slow"/>
+      <p:transition spd="slow"/>
     </mc:Fallback>
   </mc:AlternateContent>
   <p:timing>
     <p:tnLst>
       <p:par>
-        <p:cTn xmlns:p14="http://schemas.microsoft.com/office/powerpoint/2010/main" id="1" dur="indefinite" restart="never" nodeType="tmRoot">
+        <p:cTn id="1" dur="indefinite" restart="never" nodeType="tmRoot">
           <p:childTnLst>
             <p:seq concurrent="1" nextAc="seek">
               <p:cTn id="2" dur="indefinite" nodeType="mainSeq">
@@ -5599,7 +5792,7 @@
 </p:sld>
 </file>
 
-<file path=ppt/slides/slide14.xml><?xml version="1.0" encoding="utf-8"?>
+<file path=ppt/slides/slide15.xml><?xml version="1.0" encoding="utf-8"?>
 <p:sld xmlns:a="http://schemas.openxmlformats.org/drawingml/2006/main" xmlns:r="http://schemas.openxmlformats.org/officeDocument/2006/relationships" xmlns:p="http://schemas.openxmlformats.org/presentationml/2006/main" show="0">
   <p:cSld>
     <p:spTree>
@@ -5686,18 +5879,18 @@
   <p:clrMapOvr>
     <a:masterClrMapping/>
   </p:clrMapOvr>
-  <p:transition xmlns:p14="http://schemas.microsoft.com/office/powerpoint/2010/main"/>
+  <p:transition/>
   <p:timing>
     <p:tnLst>
       <p:par>
-        <p:cTn xmlns:p14="http://schemas.microsoft.com/office/powerpoint/2010/main" id="1" dur="indefinite" restart="never" nodeType="tmRoot"/>
+        <p:cTn id="1" dur="indefinite" restart="never" nodeType="tmRoot"/>
       </p:par>
     </p:tnLst>
   </p:timing>
 </p:sld>
 </file>
 
-<file path=ppt/slides/slide15.xml><?xml version="1.0" encoding="utf-8"?>
+<file path=ppt/slides/slide16.xml><?xml version="1.0" encoding="utf-8"?>
 <p:sld xmlns:a="http://schemas.openxmlformats.org/drawingml/2006/main" xmlns:r="http://schemas.openxmlformats.org/officeDocument/2006/relationships" xmlns:p="http://schemas.openxmlformats.org/presentationml/2006/main">
   <p:cSld>
     <p:spTree>
@@ -5781,7 +5974,7 @@
   <p:timing>
     <p:tnLst>
       <p:par>
-        <p:cTn xmlns:p14="http://schemas.microsoft.com/office/powerpoint/2010/main" id="1" dur="indefinite" restart="never" nodeType="tmRoot">
+        <p:cTn id="1" dur="indefinite" restart="never" nodeType="tmRoot">
           <p:childTnLst>
             <p:seq concurrent="1" nextAc="seek">
               <p:cTn id="2" dur="indefinite" nodeType="mainSeq">
@@ -5868,58 +6061,6 @@
 </p:sld>
 </file>
 
-<file path=ppt/slides/slide16.xml><?xml version="1.0" encoding="utf-8"?>
-<p:sld xmlns:a="http://schemas.openxmlformats.org/drawingml/2006/main" xmlns:r="http://schemas.openxmlformats.org/officeDocument/2006/relationships" xmlns:p="http://schemas.openxmlformats.org/presentationml/2006/main">
-  <p:cSld>
-    <p:spTree>
-      <p:nvGrpSpPr>
-        <p:cNvPr id="1" name=""/>
-        <p:cNvGrpSpPr/>
-        <p:nvPr/>
-      </p:nvGrpSpPr>
-      <p:grpSpPr>
-        <a:xfrm>
-          <a:off x="0" y="0"/>
-          <a:ext cx="0" cy="0"/>
-          <a:chOff x="0" y="0"/>
-          <a:chExt cx="0" cy="0"/>
-        </a:xfrm>
-      </p:grpSpPr>
-      <p:sp>
-        <p:nvSpPr>
-          <p:cNvPr id="4" name="Title 3"/>
-          <p:cNvSpPr>
-            <a:spLocks noGrp="1"/>
-          </p:cNvSpPr>
-          <p:nvPr>
-            <p:ph type="title"/>
-          </p:nvPr>
-        </p:nvSpPr>
-        <p:spPr/>
-        <p:txBody>
-          <a:bodyPr/>
-          <a:lstStyle/>
-          <a:p>
-            <a:endParaRPr lang="pt-PT" dirty="0"/>
-          </a:p>
-        </p:txBody>
-      </p:sp>
-    </p:spTree>
-    <p:extLst/>
-  </p:cSld>
-  <p:clrMapOvr>
-    <a:masterClrMapping/>
-  </p:clrMapOvr>
-  <p:timing>
-    <p:tnLst>
-      <p:par>
-        <p:cTn xmlns:p14="http://schemas.microsoft.com/office/powerpoint/2010/main" id="1" dur="indefinite" restart="never" nodeType="tmRoot"/>
-      </p:par>
-    </p:tnLst>
-  </p:timing>
-</p:sld>
-</file>
-
 <file path=ppt/slides/slide17.xml><?xml version="1.0" encoding="utf-8"?>
 <p:sld xmlns:a="http://schemas.openxmlformats.org/drawingml/2006/main" xmlns:r="http://schemas.openxmlformats.org/officeDocument/2006/relationships" xmlns:p="http://schemas.openxmlformats.org/presentationml/2006/main">
   <p:cSld>
@@ -5939,7 +6080,7 @@
       </p:grpSpPr>
       <p:sp>
         <p:nvSpPr>
-          <p:cNvPr id="2" name="Title 1"/>
+          <p:cNvPr id="4" name="Title 3"/>
           <p:cNvSpPr>
             <a:spLocks noGrp="1"/>
           </p:cNvSpPr>
@@ -5952,35 +6093,7 @@
           <a:bodyPr/>
           <a:lstStyle/>
           <a:p>
-            <a:r>
-              <a:rPr lang="pt-PT" dirty="0" err="1" smtClean="0"/>
-              <a:t>References</a:t>
-            </a:r>
             <a:endParaRPr lang="pt-PT" dirty="0"/>
-          </a:p>
-        </p:txBody>
-      </p:sp>
-      <p:sp>
-        <p:nvSpPr>
-          <p:cNvPr id="3" name="Content Placeholder 2"/>
-          <p:cNvSpPr>
-            <a:spLocks noGrp="1"/>
-          </p:cNvSpPr>
-          <p:nvPr>
-            <p:ph idx="1"/>
-          </p:nvPr>
-        </p:nvSpPr>
-        <p:spPr/>
-        <p:txBody>
-          <a:bodyPr>
-            <a:noAutofit/>
-          </a:bodyPr>
-          <a:lstStyle/>
-          <a:p>
-            <a:pPr marL="0" indent="0">
-              <a:buNone/>
-            </a:pPr>
-            <a:endParaRPr lang="en-US" sz="2400" dirty="0"/>
           </a:p>
         </p:txBody>
       </p:sp>
@@ -5993,7 +6106,7 @@
   <p:timing>
     <p:tnLst>
       <p:par>
-        <p:cTn xmlns:p14="http://schemas.microsoft.com/office/powerpoint/2010/main" id="1" dur="indefinite" restart="never" nodeType="tmRoot"/>
+        <p:cTn id="1" dur="indefinite" restart="never" nodeType="tmRoot"/>
       </p:par>
     </p:tnLst>
   </p:timing>
@@ -6034,6 +6147,86 @@
           <a:p>
             <a:r>
               <a:rPr lang="pt-PT" dirty="0" err="1" smtClean="0"/>
+              <a:t>References</a:t>
+            </a:r>
+            <a:endParaRPr lang="pt-PT" dirty="0"/>
+          </a:p>
+        </p:txBody>
+      </p:sp>
+      <p:sp>
+        <p:nvSpPr>
+          <p:cNvPr id="3" name="Content Placeholder 2"/>
+          <p:cNvSpPr>
+            <a:spLocks noGrp="1"/>
+          </p:cNvSpPr>
+          <p:nvPr>
+            <p:ph idx="1"/>
+          </p:nvPr>
+        </p:nvSpPr>
+        <p:spPr/>
+        <p:txBody>
+          <a:bodyPr>
+            <a:noAutofit/>
+          </a:bodyPr>
+          <a:lstStyle/>
+          <a:p>
+            <a:pPr marL="0" indent="0">
+              <a:buNone/>
+            </a:pPr>
+            <a:endParaRPr lang="en-US" sz="2400" dirty="0"/>
+          </a:p>
+        </p:txBody>
+      </p:sp>
+    </p:spTree>
+    <p:extLst/>
+  </p:cSld>
+  <p:clrMapOvr>
+    <a:masterClrMapping/>
+  </p:clrMapOvr>
+  <p:timing>
+    <p:tnLst>
+      <p:par>
+        <p:cTn id="1" dur="indefinite" restart="never" nodeType="tmRoot"/>
+      </p:par>
+    </p:tnLst>
+  </p:timing>
+</p:sld>
+</file>
+
+<file path=ppt/slides/slide19.xml><?xml version="1.0" encoding="utf-8"?>
+<p:sld xmlns:a="http://schemas.openxmlformats.org/drawingml/2006/main" xmlns:r="http://schemas.openxmlformats.org/officeDocument/2006/relationships" xmlns:p="http://schemas.openxmlformats.org/presentationml/2006/main">
+  <p:cSld>
+    <p:spTree>
+      <p:nvGrpSpPr>
+        <p:cNvPr id="1" name=""/>
+        <p:cNvGrpSpPr/>
+        <p:nvPr/>
+      </p:nvGrpSpPr>
+      <p:grpSpPr>
+        <a:xfrm>
+          <a:off x="0" y="0"/>
+          <a:ext cx="0" cy="0"/>
+          <a:chOff x="0" y="0"/>
+          <a:chExt cx="0" cy="0"/>
+        </a:xfrm>
+      </p:grpSpPr>
+      <p:sp>
+        <p:nvSpPr>
+          <p:cNvPr id="2" name="Title 1"/>
+          <p:cNvSpPr>
+            <a:spLocks noGrp="1"/>
+          </p:cNvSpPr>
+          <p:nvPr>
+            <p:ph type="title"/>
+          </p:nvPr>
+        </p:nvSpPr>
+        <p:spPr/>
+        <p:txBody>
+          <a:bodyPr/>
+          <a:lstStyle/>
+          <a:p>
+            <a:r>
+              <a:rPr lang="pt-PT" dirty="0" err="1" smtClean="0"/>
               <a:t>Sponsor</a:t>
             </a:r>
             <a:r>
@@ -6056,7 +6249,7 @@
           <a:blip r:embed="rId2" cstate="print">
             <a:extLst>
               <a:ext uri="{28A0092B-C50C-407E-A947-70E740481C1C}">
-                <a14:useLocalDpi xmlns:a14="http://schemas.microsoft.com/office/drawing/2010/main" val="0"/>
+                <a14:useLocalDpi xmlns:a14="http://schemas.microsoft.com/office/drawing/2010/main" xmlns="" val="0"/>
               </a:ext>
             </a:extLst>
           </a:blip>
@@ -6075,7 +6268,7 @@
           <a:noFill/>
           <a:extLst>
             <a:ext uri="{909E8E84-426E-40dd-AFC4-6F175D3DCCD1}">
-              <a14:hiddenFill xmlns:a14="http://schemas.microsoft.com/office/drawing/2010/main">
+              <a14:hiddenFill xmlns:a14="http://schemas.microsoft.com/office/drawing/2010/main" xmlns="">
                 <a:solidFill>
                   <a:srgbClr val="FFFFFF"/>
                 </a:solidFill>
@@ -6482,7 +6675,7 @@
           <a:blip r:embed="rId4" cstate="print">
             <a:extLst>
               <a:ext uri="{28A0092B-C50C-407E-A947-70E740481C1C}">
-                <a14:useLocalDpi xmlns:a14="http://schemas.microsoft.com/office/drawing/2010/main" val="0"/>
+                <a14:useLocalDpi xmlns:a14="http://schemas.microsoft.com/office/drawing/2010/main" xmlns="" val="0"/>
               </a:ext>
             </a:extLst>
           </a:blip>
@@ -6506,14 +6699,14 @@
           <a:effectLst/>
           <a:extLst>
             <a:ext uri="{909E8E84-426E-40dd-AFC4-6F175D3DCCD1}">
-              <a14:hiddenFill xmlns:a14="http://schemas.microsoft.com/office/drawing/2010/main">
+              <a14:hiddenFill xmlns:a14="http://schemas.microsoft.com/office/drawing/2010/main" xmlns="">
                 <a:solidFill>
                   <a:schemeClr val="accent1"/>
                 </a:solidFill>
               </a14:hiddenFill>
             </a:ext>
             <a:ext uri="{91240B29-F687-4f45-9708-019B960494DF}">
-              <a14:hiddenLine xmlns:a14="http://schemas.microsoft.com/office/drawing/2010/main" w="9525">
+              <a14:hiddenLine xmlns:a14="http://schemas.microsoft.com/office/drawing/2010/main" xmlns="" w="9525">
                 <a:solidFill>
                   <a:schemeClr val="tx1"/>
                 </a:solidFill>
@@ -6523,7 +6716,7 @@
               </a14:hiddenLine>
             </a:ext>
             <a:ext uri="{AF507438-7753-43e0-B8FC-AC1667EBCBE1}">
-              <a14:hiddenEffects xmlns:a14="http://schemas.microsoft.com/office/drawing/2010/main">
+              <a14:hiddenEffects xmlns:a14="http://schemas.microsoft.com/office/drawing/2010/main" xmlns="">
                 <a:effectLst>
                   <a:outerShdw dist="35921" dir="2700000" algn="ctr" rotWithShape="0">
                     <a:schemeClr val="bg2"/>
@@ -6537,7 +6730,7 @@
     </p:spTree>
     <p:extLst>
       <p:ext uri="{BB962C8B-B14F-4D97-AF65-F5344CB8AC3E}">
-        <p14:creationId xmlns:p14="http://schemas.microsoft.com/office/powerpoint/2010/main" val="4211405270"/>
+        <p14:creationId xmlns:p14="http://schemas.microsoft.com/office/powerpoint/2010/main" xmlns="" val="4211405270"/>
       </p:ext>
     </p:extLst>
   </p:cSld>
@@ -6547,14 +6740,14 @@
   <p:timing>
     <p:tnLst>
       <p:par>
-        <p:cTn xmlns:p14="http://schemas.microsoft.com/office/powerpoint/2010/main" id="1" dur="indefinite" restart="never" nodeType="tmRoot"/>
+        <p:cTn id="1" dur="indefinite" restart="never" nodeType="tmRoot"/>
       </p:par>
     </p:tnLst>
   </p:timing>
 </p:sld>
 </file>
 
-<file path=ppt/slides/slide19.xml><?xml version="1.0" encoding="utf-8"?>
+<file path=ppt/slides/slide2.xml><?xml version="1.0" encoding="utf-8"?>
 <p:sld xmlns:a="http://schemas.openxmlformats.org/drawingml/2006/main" xmlns:r="http://schemas.openxmlformats.org/officeDocument/2006/relationships" xmlns:p="http://schemas.openxmlformats.org/presentationml/2006/main">
   <p:cSld>
     <p:spTree>
@@ -6573,6 +6766,264 @@
       </p:grpSpPr>
       <p:sp>
         <p:nvSpPr>
+          <p:cNvPr id="6" name="Title 1"/>
+          <p:cNvSpPr>
+            <a:spLocks noGrp="1"/>
+          </p:cNvSpPr>
+          <p:nvPr>
+            <p:ph type="title"/>
+          </p:nvPr>
+        </p:nvSpPr>
+        <p:spPr>
+          <a:xfrm>
+            <a:off x="495300" y="274638"/>
+            <a:ext cx="8915400" cy="1143000"/>
+          </a:xfrm>
+          <a:effectLst/>
+        </p:spPr>
+        <p:txBody>
+          <a:bodyPr/>
+          <a:lstStyle/>
+          <a:p>
+            <a:r>
+              <a:rPr lang="pt-PT" dirty="0" err="1" smtClean="0"/>
+              <a:t>License</a:t>
+            </a:r>
+            <a:endParaRPr lang="pt-PT" dirty="0"/>
+          </a:p>
+        </p:txBody>
+      </p:sp>
+      <p:sp>
+        <p:nvSpPr>
+          <p:cNvPr id="7" name="Content Placeholder 2"/>
+          <p:cNvSpPr>
+            <a:spLocks noGrp="1"/>
+          </p:cNvSpPr>
+          <p:nvPr>
+            <p:ph idx="1"/>
+          </p:nvPr>
+        </p:nvSpPr>
+        <p:spPr>
+          <a:xfrm>
+            <a:off x="495300" y="1600201"/>
+            <a:ext cx="8915400" cy="4817131"/>
+          </a:xfrm>
+        </p:spPr>
+        <p:txBody>
+          <a:bodyPr>
+            <a:noAutofit/>
+          </a:bodyPr>
+          <a:lstStyle/>
+          <a:p>
+            <a:pPr marL="0" indent="0">
+              <a:buNone/>
+            </a:pPr>
+            <a:r>
+              <a:rPr lang="pt-PT" sz="2800" b="1" u="sng" dirty="0" smtClean="0">
+                <a:solidFill>
+                  <a:srgbClr val="008000"/>
+                </a:solidFill>
+              </a:rPr>
+              <a:t>Attribution 3.0 Unported</a:t>
+            </a:r>
+          </a:p>
+          <a:p>
+            <a:pPr>
+              <a:buNone/>
+            </a:pPr>
+            <a:r>
+              <a:rPr lang="en-US" sz="2800" b="1" dirty="0" smtClean="0">
+                <a:solidFill>
+                  <a:schemeClr val="accent3">
+                    <a:lumMod val="50000"/>
+                  </a:schemeClr>
+                </a:solidFill>
+              </a:rPr>
+              <a:t>You are free:</a:t>
+            </a:r>
+          </a:p>
+          <a:p>
+            <a:r>
+              <a:rPr lang="en-US" sz="2600" b="1" dirty="0" smtClean="0"/>
+              <a:t>to Share</a:t>
+            </a:r>
+            <a:r>
+              <a:rPr lang="en-US" sz="2600" dirty="0" smtClean="0"/>
+              <a:t> -</a:t>
+            </a:r>
+            <a:r>
+              <a:rPr lang="en-US" sz="2800" dirty="0" smtClean="0"/>
+              <a:t> </a:t>
+            </a:r>
+            <a:r>
+              <a:rPr lang="en-US" sz="2400" dirty="0" smtClean="0"/>
+              <a:t>to copy, distribute and transmit the work</a:t>
+            </a:r>
+          </a:p>
+          <a:p>
+            <a:r>
+              <a:rPr lang="en-US" sz="2600" b="1" dirty="0" smtClean="0"/>
+              <a:t>to Remix</a:t>
+            </a:r>
+            <a:r>
+              <a:rPr lang="en-US" sz="2600" dirty="0" smtClean="0"/>
+              <a:t> -</a:t>
+            </a:r>
+            <a:r>
+              <a:rPr lang="en-US" sz="2800" dirty="0" smtClean="0"/>
+              <a:t> </a:t>
+            </a:r>
+            <a:r>
+              <a:rPr lang="en-US" sz="2400" dirty="0" smtClean="0"/>
+              <a:t>to adapt the work to make commercial use of the work</a:t>
+            </a:r>
+          </a:p>
+          <a:p>
+            <a:endParaRPr lang="en-US" sz="2400" dirty="0" smtClean="0"/>
+          </a:p>
+          <a:p>
+            <a:pPr>
+              <a:buNone/>
+            </a:pPr>
+            <a:r>
+              <a:rPr lang="pt-PT" sz="2800" b="1" dirty="0" smtClean="0">
+                <a:solidFill>
+                  <a:schemeClr val="accent3">
+                    <a:lumMod val="50000"/>
+                  </a:schemeClr>
+                </a:solidFill>
+              </a:rPr>
+              <a:t>Under the following conditions:</a:t>
+            </a:r>
+          </a:p>
+          <a:p>
+            <a:pPr>
+              <a:buNone/>
+            </a:pPr>
+            <a:r>
+              <a:rPr lang="en-US" sz="2400" b="1" dirty="0" smtClean="0"/>
+              <a:t>Attribution</a:t>
+            </a:r>
+            <a:r>
+              <a:rPr lang="en-US" sz="2400" dirty="0" smtClean="0"/>
+              <a:t> — You must attribute the work in the manner specified by the author or licensor (but not in any way that suggests that they endorse you or your use of the work)</a:t>
+            </a:r>
+          </a:p>
+          <a:p>
+            <a:pPr marL="0" indent="0">
+              <a:buNone/>
+            </a:pPr>
+            <a:endParaRPr lang="pt-PT" sz="1200" dirty="0" smtClean="0"/>
+          </a:p>
+          <a:p>
+            <a:pPr marL="0" indent="0">
+              <a:buNone/>
+            </a:pPr>
+            <a:r>
+              <a:rPr lang="pt-PT" sz="1200" dirty="0" smtClean="0"/>
+              <a:t>Source: </a:t>
+            </a:r>
+            <a:r>
+              <a:rPr lang="pt-PT" sz="1200" dirty="0" smtClean="0">
+                <a:hlinkClick r:id="rId2"/>
+              </a:rPr>
+              <a:t>http://creativecommons.org/licenses/by/3.0/</a:t>
+            </a:r>
+            <a:endParaRPr lang="pt-PT" sz="1200" dirty="0" smtClean="0"/>
+          </a:p>
+        </p:txBody>
+      </p:sp>
+      <p:pic>
+        <p:nvPicPr>
+          <p:cNvPr id="4" name="Picture 3" descr="seal.png"/>
+          <p:cNvPicPr>
+            <a:picLocks noChangeAspect="1"/>
+          </p:cNvPicPr>
+          <p:nvPr/>
+        </p:nvPicPr>
+        <p:blipFill>
+          <a:blip r:embed="rId3" cstate="print"/>
+          <a:stretch>
+            <a:fillRect/>
+          </a:stretch>
+        </p:blipFill>
+        <p:spPr>
+          <a:xfrm>
+            <a:off x="7833320" y="2060848"/>
+            <a:ext cx="1209675" cy="1209675"/>
+          </a:xfrm>
+          <a:prstGeom prst="rect">
+            <a:avLst/>
+          </a:prstGeom>
+        </p:spPr>
+      </p:pic>
+      <p:pic>
+        <p:nvPicPr>
+          <p:cNvPr id="5" name="Picture 4" descr="88x31.png"/>
+          <p:cNvPicPr>
+            <a:picLocks noChangeAspect="1"/>
+          </p:cNvPicPr>
+          <p:nvPr/>
+        </p:nvPicPr>
+        <p:blipFill>
+          <a:blip r:embed="rId4" cstate="print"/>
+          <a:stretch>
+            <a:fillRect/>
+          </a:stretch>
+        </p:blipFill>
+        <p:spPr>
+          <a:xfrm>
+            <a:off x="7869324" y="1592796"/>
+            <a:ext cx="1117460" cy="393651"/>
+          </a:xfrm>
+          <a:prstGeom prst="rect">
+            <a:avLst/>
+          </a:prstGeom>
+        </p:spPr>
+      </p:pic>
+    </p:spTree>
+    <p:extLst/>
+  </p:cSld>
+  <p:clrMapOvr>
+    <a:masterClrMapping/>
+  </p:clrMapOvr>
+  <mc:AlternateContent xmlns:mc="http://schemas.openxmlformats.org/markup-compatibility/2006">
+    <mc:Choice xmlns:p14="http://schemas.microsoft.com/office/powerpoint/2007/7/12/main" xmlns="" Requires="p14">
+      <p:transition spd="slow" p14:dur="2000"/>
+    </mc:Choice>
+    <mc:Fallback>
+      <p:transition spd="slow"/>
+    </mc:Fallback>
+  </mc:AlternateContent>
+  <p:timing>
+    <p:tnLst>
+      <p:par>
+        <p:cTn id="1" dur="indefinite" restart="never" nodeType="tmRoot"/>
+      </p:par>
+    </p:tnLst>
+  </p:timing>
+</p:sld>
+</file>
+
+<file path=ppt/slides/slide20.xml><?xml version="1.0" encoding="utf-8"?>
+<p:sld xmlns:a="http://schemas.openxmlformats.org/drawingml/2006/main" xmlns:r="http://schemas.openxmlformats.org/officeDocument/2006/relationships" xmlns:p="http://schemas.openxmlformats.org/presentationml/2006/main">
+  <p:cSld>
+    <p:spTree>
+      <p:nvGrpSpPr>
+        <p:cNvPr id="1" name=""/>
+        <p:cNvGrpSpPr/>
+        <p:nvPr/>
+      </p:nvGrpSpPr>
+      <p:grpSpPr>
+        <a:xfrm>
+          <a:off x="0" y="0"/>
+          <a:ext cx="0" cy="0"/>
+          <a:chOff x="0" y="0"/>
+          <a:chExt cx="0" cy="0"/>
+        </a:xfrm>
+      </p:grpSpPr>
+      <p:sp>
+        <p:nvSpPr>
           <p:cNvPr id="2" name="Title 1"/>
           <p:cNvSpPr>
             <a:spLocks noGrp="1"/>
@@ -6612,7 +7063,7 @@
           <a:blip r:embed="rId3" cstate="print">
             <a:extLst>
               <a:ext uri="{28A0092B-C50C-407E-A947-70E740481C1C}">
-                <a14:useLocalDpi xmlns:a14="http://schemas.microsoft.com/office/drawing/2010/main" val="0"/>
+                <a14:useLocalDpi xmlns:a14="http://schemas.microsoft.com/office/drawing/2010/main" xmlns="" val="0"/>
               </a:ext>
             </a:extLst>
           </a:blip>
@@ -6632,7 +7083,7 @@
           <a:noFill/>
           <a:extLst>
             <a:ext uri="{909E8E84-426E-40dd-AFC4-6F175D3DCCD1}">
-              <a14:hiddenFill xmlns:a14="http://schemas.microsoft.com/office/drawing/2010/main">
+              <a14:hiddenFill xmlns:a14="http://schemas.microsoft.com/office/drawing/2010/main" xmlns="">
                 <a:solidFill>
                   <a:srgbClr val="FFFFFF"/>
                 </a:solidFill>
@@ -6722,7 +7173,7 @@
     </p:spTree>
     <p:extLst>
       <p:ext uri="{BB962C8B-B14F-4D97-AF65-F5344CB8AC3E}">
-        <p14:creationId xmlns:p14="http://schemas.microsoft.com/office/powerpoint/2010/main" val="2040477312"/>
+        <p14:creationId xmlns:p14="http://schemas.microsoft.com/office/powerpoint/2010/main" xmlns="" val="2040477312"/>
       </p:ext>
     </p:extLst>
   </p:cSld>
@@ -6732,370 +7183,7 @@
   <p:timing>
     <p:tnLst>
       <p:par>
-        <p:cTn xmlns:p14="http://schemas.microsoft.com/office/powerpoint/2010/main" id="1" dur="indefinite" restart="never" nodeType="tmRoot"/>
-      </p:par>
-    </p:tnLst>
-  </p:timing>
-</p:sld>
-</file>
-
-<file path=ppt/slides/slide2.xml><?xml version="1.0" encoding="utf-8"?>
-<p:sld xmlns:a="http://schemas.openxmlformats.org/drawingml/2006/main" xmlns:r="http://schemas.openxmlformats.org/officeDocument/2006/relationships" xmlns:p="http://schemas.openxmlformats.org/presentationml/2006/main">
-  <p:cSld>
-    <p:spTree>
-      <p:nvGrpSpPr>
-        <p:cNvPr id="1" name=""/>
-        <p:cNvGrpSpPr/>
-        <p:nvPr/>
-      </p:nvGrpSpPr>
-      <p:grpSpPr>
-        <a:xfrm>
-          <a:off x="0" y="0"/>
-          <a:ext cx="0" cy="0"/>
-          <a:chOff x="0" y="0"/>
-          <a:chExt cx="0" cy="0"/>
-        </a:xfrm>
-      </p:grpSpPr>
-      <p:sp>
-        <p:nvSpPr>
-          <p:cNvPr id="6" name="Title 1"/>
-          <p:cNvSpPr>
-            <a:spLocks noGrp="1"/>
-          </p:cNvSpPr>
-          <p:nvPr>
-            <p:ph type="title"/>
-          </p:nvPr>
-        </p:nvSpPr>
-        <p:spPr>
-          <a:xfrm>
-            <a:off x="495300" y="274638"/>
-            <a:ext cx="8915400" cy="1143000"/>
-          </a:xfrm>
-          <a:effectLst/>
-        </p:spPr>
-        <p:txBody>
-          <a:bodyPr/>
-          <a:lstStyle/>
-          <a:p>
-            <a:r>
-              <a:rPr lang="pt-PT" dirty="0" err="1" smtClean="0"/>
-              <a:t>License</a:t>
-            </a:r>
-            <a:endParaRPr lang="pt-PT" dirty="0"/>
-          </a:p>
-        </p:txBody>
-      </p:sp>
-      <p:sp>
-        <p:nvSpPr>
-          <p:cNvPr id="7" name="Content Placeholder 2"/>
-          <p:cNvSpPr>
-            <a:spLocks noGrp="1"/>
-          </p:cNvSpPr>
-          <p:nvPr>
-            <p:ph idx="1"/>
-          </p:nvPr>
-        </p:nvSpPr>
-        <p:spPr>
-          <a:xfrm>
-            <a:off x="495300" y="1600201"/>
-            <a:ext cx="8915400" cy="4817131"/>
-          </a:xfrm>
-        </p:spPr>
-        <p:txBody>
-          <a:bodyPr>
-            <a:noAutofit/>
-          </a:bodyPr>
-          <a:lstStyle/>
-          <a:p>
-            <a:pPr marL="0" indent="0">
-              <a:buNone/>
-            </a:pPr>
-            <a:r>
-              <a:rPr lang="pt-PT" sz="2800" b="1" u="sng" dirty="0" smtClean="0">
-                <a:solidFill>
-                  <a:srgbClr val="008000"/>
-                </a:solidFill>
-              </a:rPr>
-              <a:t>Attribution 3.0 Unported</a:t>
-            </a:r>
-          </a:p>
-          <a:p>
-            <a:pPr>
-              <a:buNone/>
-            </a:pPr>
-            <a:r>
-              <a:rPr lang="en-US" sz="2800" b="1" dirty="0" smtClean="0">
-                <a:solidFill>
-                  <a:schemeClr val="accent3">
-                    <a:lumMod val="50000"/>
-                  </a:schemeClr>
-                </a:solidFill>
-              </a:rPr>
-              <a:t>You are free:</a:t>
-            </a:r>
-          </a:p>
-          <a:p>
-            <a:r>
-              <a:rPr lang="en-US" sz="2600" b="1" dirty="0" smtClean="0"/>
-              <a:t>to Share</a:t>
-            </a:r>
-            <a:r>
-              <a:rPr lang="en-US" sz="2600" dirty="0" smtClean="0"/>
-              <a:t> -</a:t>
-            </a:r>
-            <a:r>
-              <a:rPr lang="en-US" sz="2800" dirty="0" smtClean="0"/>
-              <a:t> </a:t>
-            </a:r>
-            <a:r>
-              <a:rPr lang="en-US" sz="2400" dirty="0" smtClean="0"/>
-              <a:t>to copy, distribute and transmit the work</a:t>
-            </a:r>
-          </a:p>
-          <a:p>
-            <a:r>
-              <a:rPr lang="en-US" sz="2600" b="1" dirty="0" smtClean="0"/>
-              <a:t>to Remix</a:t>
-            </a:r>
-            <a:r>
-              <a:rPr lang="en-US" sz="2600" dirty="0" smtClean="0"/>
-              <a:t> -</a:t>
-            </a:r>
-            <a:r>
-              <a:rPr lang="en-US" sz="2800" dirty="0" smtClean="0"/>
-              <a:t> </a:t>
-            </a:r>
-            <a:r>
-              <a:rPr lang="en-US" sz="2400" dirty="0" smtClean="0"/>
-              <a:t>to adapt the work to make commercial use of the work</a:t>
-            </a:r>
-          </a:p>
-          <a:p>
-            <a:endParaRPr lang="en-US" sz="2400" dirty="0" smtClean="0"/>
-          </a:p>
-          <a:p>
-            <a:pPr>
-              <a:buNone/>
-            </a:pPr>
-            <a:r>
-              <a:rPr lang="pt-PT" sz="2800" b="1" dirty="0" smtClean="0">
-                <a:solidFill>
-                  <a:schemeClr val="accent3">
-                    <a:lumMod val="50000"/>
-                  </a:schemeClr>
-                </a:solidFill>
-              </a:rPr>
-              <a:t>Under the following conditions:</a:t>
-            </a:r>
-          </a:p>
-          <a:p>
-            <a:pPr>
-              <a:buNone/>
-            </a:pPr>
-            <a:r>
-              <a:rPr lang="en-US" sz="2400" b="1" dirty="0" smtClean="0"/>
-              <a:t>Attribution</a:t>
-            </a:r>
-            <a:r>
-              <a:rPr lang="en-US" sz="2400" dirty="0" smtClean="0"/>
-              <a:t> — You must attribute the work in the manner specified by the author or licensor (but not in any way that suggests that they endorse you or your use of the work)</a:t>
-            </a:r>
-          </a:p>
-          <a:p>
-            <a:pPr marL="0" indent="0">
-              <a:buNone/>
-            </a:pPr>
-            <a:endParaRPr lang="pt-PT" sz="1200" dirty="0" smtClean="0"/>
-          </a:p>
-          <a:p>
-            <a:pPr marL="0" indent="0">
-              <a:buNone/>
-            </a:pPr>
-            <a:r>
-              <a:rPr lang="pt-PT" sz="1200" dirty="0" smtClean="0"/>
-              <a:t>Source: </a:t>
-            </a:r>
-            <a:r>
-              <a:rPr lang="pt-PT" sz="1200" dirty="0" smtClean="0">
-                <a:hlinkClick r:id="rId2"/>
-              </a:rPr>
-              <a:t>http://creativecommons.org/licenses/by/3.0/</a:t>
-            </a:r>
-            <a:endParaRPr lang="pt-PT" sz="1200" dirty="0" smtClean="0"/>
-          </a:p>
-        </p:txBody>
-      </p:sp>
-      <p:pic>
-        <p:nvPicPr>
-          <p:cNvPr id="4" name="Picture 3" descr="seal.png"/>
-          <p:cNvPicPr>
-            <a:picLocks noChangeAspect="1"/>
-          </p:cNvPicPr>
-          <p:nvPr/>
-        </p:nvPicPr>
-        <p:blipFill>
-          <a:blip r:embed="rId3" cstate="print"/>
-          <a:stretch>
-            <a:fillRect/>
-          </a:stretch>
-        </p:blipFill>
-        <p:spPr>
-          <a:xfrm>
-            <a:off x="7833320" y="2060848"/>
-            <a:ext cx="1209675" cy="1209675"/>
-          </a:xfrm>
-          <a:prstGeom prst="rect">
-            <a:avLst/>
-          </a:prstGeom>
-        </p:spPr>
-      </p:pic>
-      <p:pic>
-        <p:nvPicPr>
-          <p:cNvPr id="5" name="Picture 4" descr="88x31.png"/>
-          <p:cNvPicPr>
-            <a:picLocks noChangeAspect="1"/>
-          </p:cNvPicPr>
-          <p:nvPr/>
-        </p:nvPicPr>
-        <p:blipFill>
-          <a:blip r:embed="rId4" cstate="print"/>
-          <a:stretch>
-            <a:fillRect/>
-          </a:stretch>
-        </p:blipFill>
-        <p:spPr>
-          <a:xfrm>
-            <a:off x="7869324" y="1592796"/>
-            <a:ext cx="1117460" cy="393651"/>
-          </a:xfrm>
-          <a:prstGeom prst="rect">
-            <a:avLst/>
-          </a:prstGeom>
-        </p:spPr>
-      </p:pic>
-    </p:spTree>
-    <p:extLst/>
-  </p:cSld>
-  <p:clrMapOvr>
-    <a:masterClrMapping/>
-  </p:clrMapOvr>
-  <mc:AlternateContent xmlns:mc="http://schemas.openxmlformats.org/markup-compatibility/2006">
-    <mc:Choice xmlns="" xmlns:p14="http://schemas.microsoft.com/office/powerpoint/2007/7/12/main" Requires="p14">
-      <p:transition spd="slow" p14:dur="2000"/>
-    </mc:Choice>
-    <mc:Fallback>
-      <p:transition xmlns:p14="http://schemas.microsoft.com/office/powerpoint/2010/main" spd="slow"/>
-    </mc:Fallback>
-  </mc:AlternateContent>
-  <p:timing>
-    <p:tnLst>
-      <p:par>
-        <p:cTn xmlns:p14="http://schemas.microsoft.com/office/powerpoint/2010/main" id="1" dur="indefinite" restart="never" nodeType="tmRoot"/>
-      </p:par>
-    </p:tnLst>
-  </p:timing>
-</p:sld>
-</file>
-
-<file path=ppt/slides/slide20.xml><?xml version="1.0" encoding="utf-8"?>
-<p:sld xmlns:a="http://schemas.openxmlformats.org/drawingml/2006/main" xmlns:r="http://schemas.openxmlformats.org/officeDocument/2006/relationships" xmlns:p="http://schemas.openxmlformats.org/presentationml/2006/main">
-  <p:cSld>
-    <p:spTree>
-      <p:nvGrpSpPr>
-        <p:cNvPr id="1" name=""/>
-        <p:cNvGrpSpPr/>
-        <p:nvPr/>
-      </p:nvGrpSpPr>
-      <p:grpSpPr>
-        <a:xfrm>
-          <a:off x="0" y="0"/>
-          <a:ext cx="0" cy="0"/>
-          <a:chOff x="0" y="0"/>
-          <a:chExt cx="0" cy="0"/>
-        </a:xfrm>
-      </p:grpSpPr>
-      <p:sp>
-        <p:nvSpPr>
-          <p:cNvPr id="2" name="Title 1"/>
-          <p:cNvSpPr>
-            <a:spLocks noGrp="1"/>
-          </p:cNvSpPr>
-          <p:nvPr>
-            <p:ph type="title"/>
-          </p:nvPr>
-        </p:nvSpPr>
-        <p:spPr/>
-        <p:txBody>
-          <a:bodyPr/>
-          <a:lstStyle/>
-          <a:p>
-            <a:r>
-              <a:rPr lang="pt-PT" dirty="0" err="1" smtClean="0"/>
-              <a:t>Sponsor</a:t>
-            </a:r>
-            <a:r>
-              <a:rPr lang="pt-PT" dirty="0" smtClean="0"/>
-              <a:t> “Bronze”</a:t>
-            </a:r>
-            <a:endParaRPr lang="pt-PT" dirty="0"/>
-          </a:p>
-        </p:txBody>
-      </p:sp>
-      <p:pic>
-        <p:nvPicPr>
-          <p:cNvPr id="3076" name="Picture 4" descr="http://www.survs.com/about/mediakit/survs_logo_color_large.jpg"/>
-          <p:cNvPicPr>
-            <a:picLocks noChangeAspect="1" noChangeArrowheads="1"/>
-          </p:cNvPicPr>
-          <p:nvPr/>
-        </p:nvPicPr>
-        <p:blipFill>
-          <a:blip r:embed="rId2" cstate="print">
-            <a:extLst>
-              <a:ext uri="{28A0092B-C50C-407E-A947-70E740481C1C}">
-                <a14:useLocalDpi xmlns:a14="http://schemas.microsoft.com/office/drawing/2010/main" val="0"/>
-              </a:ext>
-            </a:extLst>
-          </a:blip>
-          <a:srcRect/>
-          <a:stretch>
-            <a:fillRect/>
-          </a:stretch>
-        </p:blipFill>
-        <p:spPr bwMode="auto">
-          <a:xfrm>
-            <a:off x="3171893" y="2492898"/>
-            <a:ext cx="3360783" cy="1850473"/>
-          </a:xfrm>
-          <a:prstGeom prst="rect">
-            <a:avLst/>
-          </a:prstGeom>
-          <a:noFill/>
-          <a:extLst>
-            <a:ext uri="{909E8E84-426E-40dd-AFC4-6F175D3DCCD1}">
-              <a14:hiddenFill xmlns:a14="http://schemas.microsoft.com/office/drawing/2010/main">
-                <a:solidFill>
-                  <a:srgbClr val="FFFFFF"/>
-                </a:solidFill>
-              </a14:hiddenFill>
-            </a:ext>
-          </a:extLst>
-        </p:spPr>
-      </p:pic>
-    </p:spTree>
-    <p:extLst>
-      <p:ext uri="{BB962C8B-B14F-4D97-AF65-F5344CB8AC3E}">
-        <p14:creationId xmlns:p14="http://schemas.microsoft.com/office/powerpoint/2010/main" val="779863630"/>
-      </p:ext>
-    </p:extLst>
-  </p:cSld>
-  <p:clrMapOvr>
-    <a:masterClrMapping/>
-  </p:clrMapOvr>
-  <p:timing>
-    <p:tnLst>
-      <p:par>
-        <p:cTn xmlns:p14="http://schemas.microsoft.com/office/powerpoint/2010/main" id="1" dur="indefinite" restart="never" nodeType="tmRoot"/>
+        <p:cTn id="1" dur="indefinite" restart="never" nodeType="tmRoot"/>
       </p:par>
     </p:tnLst>
   </p:timing>
@@ -7135,150 +7223,62 @@
           <a:lstStyle/>
           <a:p>
             <a:r>
-              <a:rPr lang="pt-PT" dirty="0"/>
-              <a:t>Próximas reuniões presenciais</a:t>
-            </a:r>
-          </a:p>
-        </p:txBody>
-      </p:sp>
-      <p:sp>
-        <p:nvSpPr>
-          <p:cNvPr id="4" name="Content Placeholder 5"/>
-          <p:cNvSpPr>
-            <a:spLocks noGrp="1"/>
-          </p:cNvSpPr>
-          <p:nvPr>
-            <p:ph idx="1"/>
-          </p:nvPr>
-        </p:nvSpPr>
-        <p:spPr>
+              <a:rPr lang="pt-PT" dirty="0" err="1" smtClean="0"/>
+              <a:t>Sponsor</a:t>
+            </a:r>
+            <a:r>
+              <a:rPr lang="pt-PT" dirty="0" smtClean="0"/>
+              <a:t> “Bronze”</a:t>
+            </a:r>
+            <a:endParaRPr lang="pt-PT" dirty="0"/>
+          </a:p>
+        </p:txBody>
+      </p:sp>
+      <p:pic>
+        <p:nvPicPr>
+          <p:cNvPr id="3076" name="Picture 4" descr="http://www.survs.com/about/mediakit/survs_logo_color_large.jpg"/>
+          <p:cNvPicPr>
+            <a:picLocks noChangeAspect="1" noChangeArrowheads="1"/>
+          </p:cNvPicPr>
+          <p:nvPr/>
+        </p:nvPicPr>
+        <p:blipFill>
+          <a:blip r:embed="rId2" cstate="print">
+            <a:extLst>
+              <a:ext uri="{28A0092B-C50C-407E-A947-70E740481C1C}">
+                <a14:useLocalDpi xmlns:a14="http://schemas.microsoft.com/office/drawing/2010/main" xmlns="" val="0"/>
+              </a:ext>
+            </a:extLst>
+          </a:blip>
+          <a:srcRect/>
+          <a:stretch>
+            <a:fillRect/>
+          </a:stretch>
+        </p:blipFill>
+        <p:spPr bwMode="auto">
           <a:xfrm>
-            <a:off x="681038" y="1825625"/>
-            <a:ext cx="8543925" cy="4351338"/>
+            <a:off x="3171893" y="2492898"/>
+            <a:ext cx="3360783" cy="1850473"/>
           </a:xfrm>
+          <a:prstGeom prst="rect">
+            <a:avLst/>
+          </a:prstGeom>
+          <a:noFill/>
+          <a:extLst>
+            <a:ext uri="{909E8E84-426E-40dd-AFC4-6F175D3DCCD1}">
+              <a14:hiddenFill xmlns:a14="http://schemas.microsoft.com/office/drawing/2010/main" xmlns="">
+                <a:solidFill>
+                  <a:srgbClr val="FFFFFF"/>
+                </a:solidFill>
+              </a14:hiddenFill>
+            </a:ext>
+          </a:extLst>
         </p:spPr>
-        <p:txBody>
-          <a:bodyPr>
-            <a:noAutofit/>
-          </a:bodyPr>
-          <a:lstStyle/>
-          <a:p>
-            <a:pPr marL="0" indent="0">
-              <a:buNone/>
-            </a:pPr>
-            <a:r>
-              <a:rPr lang="pt-PT" sz="2600" dirty="0" smtClean="0">
-                <a:solidFill>
-                  <a:schemeClr val="bg1">
-                    <a:lumMod val="50000"/>
-                  </a:schemeClr>
-                </a:solidFill>
-              </a:rPr>
-              <a:t>23/11/2013 </a:t>
-            </a:r>
-            <a:r>
-              <a:rPr lang="pt-PT" sz="2600" dirty="0">
-                <a:solidFill>
-                  <a:schemeClr val="bg1">
-                    <a:lumMod val="50000"/>
-                  </a:schemeClr>
-                </a:solidFill>
-              </a:rPr>
-              <a:t>– Novembro (Lisboa)</a:t>
-            </a:r>
-          </a:p>
-          <a:p>
-            <a:pPr marL="0" indent="0">
-              <a:buNone/>
-            </a:pPr>
-            <a:r>
-              <a:rPr lang="pt-PT" sz="2600" dirty="0" smtClean="0"/>
-              <a:t>30/11/2013 </a:t>
-            </a:r>
-            <a:r>
-              <a:rPr lang="pt-PT" sz="2600" dirty="0"/>
-              <a:t>– </a:t>
-            </a:r>
-            <a:r>
-              <a:rPr lang="pt-PT" sz="2600" dirty="0" smtClean="0"/>
-              <a:t>Novembro (Porto)</a:t>
-            </a:r>
-            <a:endParaRPr lang="pt-PT" sz="2600" dirty="0"/>
-          </a:p>
-          <a:p>
-            <a:pPr marL="0" indent="0">
-              <a:buNone/>
-            </a:pPr>
-            <a:r>
-              <a:rPr lang="pt-PT" sz="2600" dirty="0"/>
-              <a:t>14/12/2013 – Dezembro (Lisboa)</a:t>
-            </a:r>
-          </a:p>
-          <a:p>
-            <a:pPr marL="0" indent="0">
-              <a:buNone/>
-            </a:pPr>
-            <a:r>
-              <a:rPr lang="pt-PT" sz="2600" dirty="0"/>
-              <a:t>18/01/2014 – Janeiro (Lisboa)</a:t>
-            </a:r>
-          </a:p>
-          <a:p>
-            <a:pPr marL="0" indent="0">
-              <a:buNone/>
-            </a:pPr>
-            <a:endParaRPr lang="pt-PT" sz="2600" dirty="0"/>
-          </a:p>
-          <a:p>
-            <a:pPr marL="0" indent="0">
-              <a:buNone/>
-            </a:pPr>
-            <a:endParaRPr lang="pt-PT" sz="2600" dirty="0"/>
-          </a:p>
-          <a:p>
-            <a:pPr marL="0" indent="0">
-              <a:buNone/>
-            </a:pPr>
-            <a:r>
-              <a:rPr lang="pt-PT" sz="3494" dirty="0">
-                <a:solidFill>
-                  <a:srgbClr val="0070C0"/>
-                </a:solidFill>
-              </a:rPr>
-              <a:t>Reserva estes dias na agenda! :)</a:t>
-            </a:r>
-          </a:p>
-          <a:p>
-            <a:pPr marL="0" indent="0">
-              <a:buNone/>
-            </a:pPr>
-            <a:r>
-              <a:rPr lang="pt-PT" sz="3494" dirty="0">
-                <a:solidFill>
-                  <a:srgbClr val="0070C0"/>
-                </a:solidFill>
-              </a:rPr>
-              <a:t/>
-            </a:r>
-            <a:br>
-              <a:rPr lang="pt-PT" sz="3494" dirty="0">
-                <a:solidFill>
-                  <a:srgbClr val="0070C0"/>
-                </a:solidFill>
-              </a:rPr>
-            </a:br>
-            <a:endParaRPr lang="pt-PT" sz="3494" dirty="0">
-              <a:solidFill>
-                <a:srgbClr val="0070C0"/>
-              </a:solidFill>
-            </a:endParaRPr>
-          </a:p>
-        </p:txBody>
-      </p:sp>
+      </p:pic>
     </p:spTree>
     <p:extLst>
       <p:ext uri="{BB962C8B-B14F-4D97-AF65-F5344CB8AC3E}">
-        <p14:creationId xmlns:p14="http://schemas.microsoft.com/office/powerpoint/2010/main" val="807882491"/>
+        <p14:creationId xmlns:p14="http://schemas.microsoft.com/office/powerpoint/2010/main" xmlns="" val="779863630"/>
       </p:ext>
     </p:extLst>
   </p:cSld>
@@ -7288,7 +7288,7 @@
   <p:timing>
     <p:tnLst>
       <p:par>
-        <p:cTn xmlns:p14="http://schemas.microsoft.com/office/powerpoint/2010/main" id="1" dur="indefinite" restart="never" nodeType="tmRoot"/>
+        <p:cTn id="1" dur="indefinite" restart="never" nodeType="tmRoot"/>
       </p:par>
     </p:tnLst>
   </p:timing>
@@ -7296,6 +7296,199 @@
 </file>
 
 <file path=ppt/slides/slide22.xml><?xml version="1.0" encoding="utf-8"?>
+<p:sld xmlns:a="http://schemas.openxmlformats.org/drawingml/2006/main" xmlns:r="http://schemas.openxmlformats.org/officeDocument/2006/relationships" xmlns:p="http://schemas.openxmlformats.org/presentationml/2006/main">
+  <p:cSld>
+    <p:spTree>
+      <p:nvGrpSpPr>
+        <p:cNvPr id="1" name=""/>
+        <p:cNvGrpSpPr/>
+        <p:nvPr/>
+      </p:nvGrpSpPr>
+      <p:grpSpPr>
+        <a:xfrm>
+          <a:off x="0" y="0"/>
+          <a:ext cx="0" cy="0"/>
+          <a:chOff x="0" y="0"/>
+          <a:chExt cx="0" cy="0"/>
+        </a:xfrm>
+      </p:grpSpPr>
+      <p:sp>
+        <p:nvSpPr>
+          <p:cNvPr id="2" name="Title 1"/>
+          <p:cNvSpPr>
+            <a:spLocks noGrp="1"/>
+          </p:cNvSpPr>
+          <p:nvPr>
+            <p:ph type="title"/>
+          </p:nvPr>
+        </p:nvSpPr>
+        <p:spPr/>
+        <p:txBody>
+          <a:bodyPr/>
+          <a:lstStyle/>
+          <a:p>
+            <a:r>
+              <a:rPr lang="pt-PT" dirty="0"/>
+              <a:t>Próximas reuniões presenciais</a:t>
+            </a:r>
+          </a:p>
+        </p:txBody>
+      </p:sp>
+      <p:sp>
+        <p:nvSpPr>
+          <p:cNvPr id="4" name="Content Placeholder 5"/>
+          <p:cNvSpPr>
+            <a:spLocks noGrp="1"/>
+          </p:cNvSpPr>
+          <p:nvPr>
+            <p:ph idx="1"/>
+          </p:nvPr>
+        </p:nvSpPr>
+        <p:spPr>
+          <a:xfrm>
+            <a:off x="681038" y="1825625"/>
+            <a:ext cx="8543925" cy="4351338"/>
+          </a:xfrm>
+        </p:spPr>
+        <p:txBody>
+          <a:bodyPr>
+            <a:noAutofit/>
+          </a:bodyPr>
+          <a:lstStyle/>
+          <a:p>
+            <a:pPr marL="0" indent="0">
+              <a:buNone/>
+            </a:pPr>
+            <a:r>
+              <a:rPr lang="pt-PT" sz="2600" dirty="0" smtClean="0">
+                <a:solidFill>
+                  <a:schemeClr val="bg1">
+                    <a:lumMod val="50000"/>
+                  </a:schemeClr>
+                </a:solidFill>
+              </a:rPr>
+              <a:t>23/11/2013 </a:t>
+            </a:r>
+            <a:r>
+              <a:rPr lang="pt-PT" sz="2600" dirty="0">
+                <a:solidFill>
+                  <a:schemeClr val="bg1">
+                    <a:lumMod val="50000"/>
+                  </a:schemeClr>
+                </a:solidFill>
+              </a:rPr>
+              <a:t>– Novembro (Lisboa)</a:t>
+            </a:r>
+          </a:p>
+          <a:p>
+            <a:pPr marL="0" indent="0">
+              <a:buNone/>
+            </a:pPr>
+            <a:r>
+              <a:rPr lang="pt-PT" sz="2600" dirty="0" smtClean="0"/>
+              <a:t>30/11/2013 </a:t>
+            </a:r>
+            <a:r>
+              <a:rPr lang="pt-PT" sz="2600" dirty="0"/>
+              <a:t>– </a:t>
+            </a:r>
+            <a:r>
+              <a:rPr lang="pt-PT" sz="2600" dirty="0" smtClean="0"/>
+              <a:t>Novembro (Porto)</a:t>
+            </a:r>
+            <a:endParaRPr lang="pt-PT" sz="2600" dirty="0"/>
+          </a:p>
+          <a:p>
+            <a:pPr marL="0" indent="0">
+              <a:buNone/>
+            </a:pPr>
+            <a:r>
+              <a:rPr lang="pt-PT" sz="2600" dirty="0"/>
+              <a:t>14/12/2013 – Dezembro (Lisboa)</a:t>
+            </a:r>
+          </a:p>
+          <a:p>
+            <a:pPr marL="0" indent="0">
+              <a:buNone/>
+            </a:pPr>
+            <a:r>
+              <a:rPr lang="pt-PT" sz="2600" dirty="0"/>
+              <a:t>18/01/2014 – Janeiro (Lisboa)</a:t>
+            </a:r>
+          </a:p>
+          <a:p>
+            <a:pPr marL="0" indent="0">
+              <a:buNone/>
+            </a:pPr>
+            <a:endParaRPr lang="pt-PT" sz="2600" dirty="0"/>
+          </a:p>
+          <a:p>
+            <a:pPr marL="0" indent="0">
+              <a:buNone/>
+            </a:pPr>
+            <a:endParaRPr lang="pt-PT" sz="2600" dirty="0"/>
+          </a:p>
+          <a:p>
+            <a:pPr marL="0" indent="0">
+              <a:buNone/>
+            </a:pPr>
+            <a:r>
+              <a:rPr lang="pt-PT" sz="3494" dirty="0">
+                <a:solidFill>
+                  <a:srgbClr val="0070C0"/>
+                </a:solidFill>
+              </a:rPr>
+              <a:t>Reserva estes dias na agenda! :)</a:t>
+            </a:r>
+          </a:p>
+          <a:p>
+            <a:pPr marL="0" indent="0">
+              <a:buNone/>
+            </a:pPr>
+            <a:r>
+              <a:rPr lang="pt-PT" sz="3494" dirty="0">
+                <a:solidFill>
+                  <a:srgbClr val="0070C0"/>
+                </a:solidFill>
+              </a:rPr>
+              <a:t/>
+            </a:r>
+            <a:br>
+              <a:rPr lang="pt-PT" sz="3494" dirty="0">
+                <a:solidFill>
+                  <a:srgbClr val="0070C0"/>
+                </a:solidFill>
+              </a:rPr>
+            </a:br>
+            <a:endParaRPr lang="pt-PT" sz="3494" dirty="0">
+              <a:solidFill>
+                <a:srgbClr val="0070C0"/>
+              </a:solidFill>
+            </a:endParaRPr>
+          </a:p>
+        </p:txBody>
+      </p:sp>
+    </p:spTree>
+    <p:extLst>
+      <p:ext uri="{BB962C8B-B14F-4D97-AF65-F5344CB8AC3E}">
+        <p14:creationId xmlns:p14="http://schemas.microsoft.com/office/powerpoint/2010/main" xmlns="" val="807882491"/>
+      </p:ext>
+    </p:extLst>
+  </p:cSld>
+  <p:clrMapOvr>
+    <a:masterClrMapping/>
+  </p:clrMapOvr>
+  <p:timing>
+    <p:tnLst>
+      <p:par>
+        <p:cTn id="1" dur="indefinite" restart="never" nodeType="tmRoot"/>
+      </p:par>
+    </p:tnLst>
+  </p:timing>
+</p:sld>
+</file>
+
+<file path=ppt/slides/slide23.xml><?xml version="1.0" encoding="utf-8"?>
 <p:sld xmlns:a="http://schemas.openxmlformats.org/drawingml/2006/main" xmlns:r="http://schemas.openxmlformats.org/officeDocument/2006/relationships" xmlns:p="http://schemas.openxmlformats.org/presentationml/2006/main">
   <p:cSld>
     <p:spTree>
@@ -7674,10 +7867,10 @@
           <p:nvPr/>
         </p:nvPicPr>
         <p:blipFill>
-          <a:blip r:embed="rId6">
+          <a:blip r:embed="rId6" cstate="print">
             <a:extLst>
               <a:ext uri="{28A0092B-C50C-407E-A947-70E740481C1C}">
-                <a14:useLocalDpi xmlns:a14="http://schemas.microsoft.com/office/drawing/2010/main" val="0"/>
+                <a14:useLocalDpi xmlns:a14="http://schemas.microsoft.com/office/drawing/2010/main" xmlns="" val="0"/>
               </a:ext>
             </a:extLst>
           </a:blip>
@@ -7704,10 +7897,10 @@
           <p:nvPr/>
         </p:nvPicPr>
         <p:blipFill>
-          <a:blip r:embed="rId7">
+          <a:blip r:embed="rId7" cstate="print">
             <a:extLst>
               <a:ext uri="{28A0092B-C50C-407E-A947-70E740481C1C}">
-                <a14:useLocalDpi xmlns:a14="http://schemas.microsoft.com/office/drawing/2010/main" val="0"/>
+                <a14:useLocalDpi xmlns:a14="http://schemas.microsoft.com/office/drawing/2010/main" xmlns="" val="0"/>
               </a:ext>
             </a:extLst>
           </a:blip>
@@ -7734,10 +7927,10 @@
           <p:nvPr/>
         </p:nvPicPr>
         <p:blipFill>
-          <a:blip r:embed="rId8">
+          <a:blip r:embed="rId8" cstate="print">
             <a:extLst>
               <a:ext uri="{28A0092B-C50C-407E-A947-70E740481C1C}">
-                <a14:useLocalDpi xmlns:a14="http://schemas.microsoft.com/office/drawing/2010/main" val="0"/>
+                <a14:useLocalDpi xmlns:a14="http://schemas.microsoft.com/office/drawing/2010/main" xmlns="" val="0"/>
               </a:ext>
             </a:extLst>
           </a:blip>
@@ -7764,7 +7957,7 @@
   <p:timing>
     <p:tnLst>
       <p:par>
-        <p:cTn xmlns:p14="http://schemas.microsoft.com/office/powerpoint/2010/main" id="1" dur="indefinite" restart="never" nodeType="tmRoot"/>
+        <p:cTn id="1" dur="indefinite" restart="never" nodeType="tmRoot"/>
       </p:par>
     </p:tnLst>
   </p:timing>
@@ -8338,10 +8531,10 @@
           <p:nvPr/>
         </p:nvPicPr>
         <p:blipFill>
-          <a:blip r:embed="rId6">
+          <a:blip r:embed="rId6" cstate="print">
             <a:extLst>
               <a:ext uri="{28A0092B-C50C-407E-A947-70E740481C1C}">
-                <a14:useLocalDpi xmlns:a14="http://schemas.microsoft.com/office/drawing/2010/main" val="0"/>
+                <a14:useLocalDpi xmlns:a14="http://schemas.microsoft.com/office/drawing/2010/main" xmlns="" val="0"/>
               </a:ext>
             </a:extLst>
           </a:blip>
@@ -8366,17 +8559,17 @@
     <a:masterClrMapping/>
   </p:clrMapOvr>
   <mc:AlternateContent xmlns:mc="http://schemas.openxmlformats.org/markup-compatibility/2006">
-    <mc:Choice xmlns:p14="http://schemas.microsoft.com/office/powerpoint/2007/7/12/main" xmlns="" Requires="p14">
+    <mc:Choice xmlns="" xmlns:p14="http://schemas.microsoft.com/office/powerpoint/2007/7/12/main" Requires="p14">
       <p:transition spd="slow" p14:dur="2000"/>
     </mc:Choice>
     <mc:Fallback>
-      <p:transition xmlns:p14="http://schemas.microsoft.com/office/powerpoint/2010/main" spd="slow"/>
+      <p:transition spd="slow"/>
     </mc:Fallback>
   </mc:AlternateContent>
   <p:timing>
     <p:tnLst>
       <p:par>
-        <p:cTn xmlns:p14="http://schemas.microsoft.com/office/powerpoint/2010/main" id="1" dur="indefinite" restart="never" nodeType="tmRoot"/>
+        <p:cTn id="1" dur="indefinite" restart="never" nodeType="tmRoot"/>
       </p:par>
     </p:tnLst>
   </p:timing>
@@ -8423,6 +8616,61 @@
           </a:p>
         </p:txBody>
       </p:sp>
+      <p:sp>
+        <p:nvSpPr>
+          <p:cNvPr id="3" name="Content Placeholder 2"/>
+          <p:cNvSpPr>
+            <a:spLocks noGrp="1"/>
+          </p:cNvSpPr>
+          <p:nvPr>
+            <p:ph idx="1"/>
+          </p:nvPr>
+        </p:nvSpPr>
+        <p:spPr/>
+        <p:txBody>
+          <a:bodyPr>
+            <a:normAutofit lnSpcReduction="10000"/>
+          </a:bodyPr>
+          <a:lstStyle/>
+          <a:p>
+            <a:r>
+              <a:rPr lang="pt-PT" dirty="0" smtClean="0"/>
+              <a:t>Introduction</a:t>
+            </a:r>
+          </a:p>
+          <a:p>
+            <a:r>
+              <a:rPr lang="pt-PT" dirty="0" smtClean="0"/>
+              <a:t>Managed Extensiability Frameworks</a:t>
+            </a:r>
+          </a:p>
+          <a:p>
+            <a:r>
+              <a:rPr lang="pt-PT" dirty="0" smtClean="0"/>
+              <a:t>GuideLines</a:t>
+            </a:r>
+          </a:p>
+          <a:p>
+            <a:r>
+              <a:rPr lang="pt-PT" dirty="0" smtClean="0"/>
+              <a:t>Reference</a:t>
+            </a:r>
+          </a:p>
+          <a:p>
+            <a:r>
+              <a:rPr lang="pt-PT" dirty="0" smtClean="0"/>
+              <a:t>Demos</a:t>
+            </a:r>
+          </a:p>
+          <a:p>
+            <a:r>
+              <a:rPr lang="pt-PT" dirty="0" smtClean="0"/>
+              <a:t>Conclusion</a:t>
+            </a:r>
+            <a:endParaRPr lang="pt-PT" dirty="0"/>
+          </a:p>
+        </p:txBody>
+      </p:sp>
     </p:spTree>
     <p:extLst/>
   </p:cSld>
@@ -8432,7 +8680,7 @@
   <p:timing>
     <p:tnLst>
       <p:par>
-        <p:cTn xmlns:p14="http://schemas.microsoft.com/office/powerpoint/2010/main" id="1" dur="indefinite" restart="never" nodeType="tmRoot"/>
+        <p:cTn id="1" dur="indefinite" restart="never" nodeType="tmRoot"/>
       </p:par>
     </p:tnLst>
   </p:timing>
@@ -8474,7 +8722,7 @@
         </p:spPr>
         <p:txBody>
           <a:bodyPr>
-            <a:normAutofit fontScale="62500" lnSpcReduction="20000"/>
+            <a:normAutofit fontScale="92500" lnSpcReduction="20000"/>
           </a:bodyPr>
           <a:lstStyle/>
           <a:p>
@@ -8482,24 +8730,12 @@
               <a:buNone/>
             </a:pPr>
             <a:r>
-              <a:rPr lang="pt-PT" sz="9600" dirty="0" err="1"/>
-              <a:t>Little</a:t>
-            </a:r>
-            <a:r>
-              <a:rPr lang="pt-PT" sz="9600" dirty="0"/>
-              <a:t> bit </a:t>
-            </a:r>
-            <a:r>
-              <a:rPr lang="pt-PT" sz="9600" dirty="0" err="1"/>
-              <a:t>of</a:t>
-            </a:r>
-            <a:r>
-              <a:rPr lang="pt-PT" sz="9600" dirty="0"/>
-              <a:t> </a:t>
-            </a:r>
-            <a:r>
-              <a:rPr lang="pt-PT" sz="9600" dirty="0" err="1"/>
-              <a:t>history</a:t>
+              <a:rPr lang="en-US" sz="7200" dirty="0" smtClean="0"/>
+              <a:t>In the </a:t>
+            </a:r>
+            <a:r>
+              <a:rPr lang="en-US" sz="7200" dirty="0" smtClean="0"/>
+              <a:t>beginning</a:t>
             </a:r>
             <a:endParaRPr lang="pt-PT" sz="9600" dirty="0" smtClean="0"/>
           </a:p>
@@ -8510,18 +8746,18 @@
   <p:clrMapOvr>
     <a:masterClrMapping/>
   </p:clrMapOvr>
-  <mc:AlternateContent xmlns:mc="http://schemas.openxmlformats.org/markup-compatibility/2006" xmlns:p14="http://schemas.microsoft.com/office/powerpoint/2010/main">
-    <mc:Choice Requires="p14">
+  <mc:AlternateContent xmlns:mc="http://schemas.openxmlformats.org/markup-compatibility/2006">
+    <mc:Choice xmlns:p14="http://schemas.microsoft.com/office/powerpoint/2010/main" xmlns="" Requires="p14">
       <p:transition spd="slow" p14:dur="2000"/>
     </mc:Choice>
-    <mc:Fallback xmlns="">
-      <p:transition xmlns:p14="http://schemas.microsoft.com/office/powerpoint/2010/main" spd="slow"/>
+    <mc:Fallback>
+      <p:transition spd="slow"/>
     </mc:Fallback>
   </mc:AlternateContent>
   <p:timing>
     <p:tnLst>
       <p:par>
-        <p:cTn xmlns:p14="http://schemas.microsoft.com/office/powerpoint/2010/main" id="1" dur="indefinite" restart="never" nodeType="tmRoot"/>
+        <p:cTn id="1" dur="indefinite" restart="never" nodeType="tmRoot"/>
       </p:par>
     </p:tnLst>
   </p:timing>
@@ -8547,6 +8783,29 @@
       </p:grpSpPr>
       <p:sp>
         <p:nvSpPr>
+          <p:cNvPr id="2" name="Title 1"/>
+          <p:cNvSpPr>
+            <a:spLocks noGrp="1"/>
+          </p:cNvSpPr>
+          <p:nvPr>
+            <p:ph type="title"/>
+          </p:nvPr>
+        </p:nvSpPr>
+        <p:spPr/>
+        <p:txBody>
+          <a:bodyPr/>
+          <a:lstStyle/>
+          <a:p>
+            <a:r>
+              <a:rPr lang="pt-PT" dirty="0" smtClean="0"/>
+              <a:t>Introduction</a:t>
+            </a:r>
+            <a:endParaRPr lang="pt-PT" dirty="0"/>
+          </a:p>
+        </p:txBody>
+      </p:sp>
+      <p:sp>
+        <p:nvSpPr>
           <p:cNvPr id="3" name="Content Placeholder 2"/>
           <p:cNvSpPr>
             <a:spLocks noGrp="1"/>
@@ -8555,74 +8814,46 @@
             <p:ph idx="1"/>
           </p:nvPr>
         </p:nvSpPr>
-        <p:spPr>
-          <a:xfrm>
-            <a:off x="488504" y="2957374"/>
-            <a:ext cx="8820980" cy="943253"/>
-          </a:xfrm>
-        </p:spPr>
-        <p:txBody>
-          <a:bodyPr>
-            <a:normAutofit fontScale="55000" lnSpcReduction="20000"/>
-          </a:bodyPr>
+        <p:spPr/>
+        <p:txBody>
+          <a:bodyPr/>
           <a:lstStyle/>
           <a:p>
-            <a:pPr algn="ctr">
-              <a:buNone/>
-            </a:pPr>
-            <a:r>
-              <a:rPr lang="pt-PT" sz="9600" dirty="0" err="1"/>
-              <a:t>Before</a:t>
-            </a:r>
-            <a:r>
-              <a:rPr lang="pt-PT" sz="9600" dirty="0"/>
-              <a:t> MEF ... </a:t>
-            </a:r>
-            <a:r>
-              <a:rPr lang="pt-PT" sz="9600" dirty="0" err="1"/>
-              <a:t>there</a:t>
-            </a:r>
-            <a:r>
-              <a:rPr lang="pt-PT" sz="9600" dirty="0"/>
+            <a:r>
+              <a:rPr lang="pt-PT" dirty="0" smtClean="0"/>
+              <a:t>Why extend an application?</a:t>
+            </a:r>
+          </a:p>
+          <a:p>
+            <a:pPr lvl="1"/>
+            <a:r>
+              <a:rPr lang="pt-PT" dirty="0" smtClean="0"/>
               <a:t> </a:t>
             </a:r>
             <a:r>
-              <a:rPr lang="pt-PT" sz="9600" dirty="0" err="1"/>
-              <a:t>was</a:t>
-            </a:r>
-            <a:r>
-              <a:rPr lang="pt-PT" sz="9600" dirty="0"/>
-              <a:t> MAF</a:t>
-            </a:r>
-            <a:endParaRPr lang="pt-PT" sz="9600" dirty="0" smtClean="0"/>
+              <a:rPr lang="pt-PT" dirty="0" smtClean="0"/>
+              <a:t>Provide more funcionalities</a:t>
+            </a:r>
+          </a:p>
+          <a:p>
+            <a:pPr lvl="1"/>
+            <a:r>
+              <a:rPr lang="pt-PT" smtClean="0"/>
+              <a:t> </a:t>
+            </a:r>
+            <a:r>
+              <a:rPr lang="pt-PT" smtClean="0"/>
+              <a:t>Ease </a:t>
+            </a:r>
+            <a:endParaRPr lang="pt-PT" dirty="0"/>
           </a:p>
         </p:txBody>
       </p:sp>
     </p:spTree>
-    <p:extLst>
-      <p:ext uri="{BB962C8B-B14F-4D97-AF65-F5344CB8AC3E}">
-        <p14:creationId xmlns:p14="http://schemas.microsoft.com/office/powerpoint/2010/main" val="3109839247"/>
-      </p:ext>
-    </p:extLst>
   </p:cSld>
   <p:clrMapOvr>
     <a:masterClrMapping/>
   </p:clrMapOvr>
-  <mc:AlternateContent xmlns:mc="http://schemas.openxmlformats.org/markup-compatibility/2006" xmlns:p14="http://schemas.microsoft.com/office/powerpoint/2010/main">
-    <mc:Choice Requires="p14">
-      <p:transition spd="slow" p14:dur="2000"/>
-    </mc:Choice>
-    <mc:Fallback xmlns="">
-      <p:transition xmlns:p14="http://schemas.microsoft.com/office/powerpoint/2010/main" spd="slow"/>
-    </mc:Fallback>
-  </mc:AlternateContent>
-  <p:timing>
-    <p:tnLst>
-      <p:par>
-        <p:cTn xmlns:p14="http://schemas.microsoft.com/office/powerpoint/2010/main" id="1" dur="indefinite" restart="never" nodeType="tmRoot"/>
-      </p:par>
-    </p:tnLst>
-  </p:timing>
 </p:sld>
 </file>
 
@@ -8661,7 +8892,7 @@
         </p:spPr>
         <p:txBody>
           <a:bodyPr>
-            <a:normAutofit fontScale="47500" lnSpcReduction="20000"/>
+            <a:normAutofit fontScale="55000" lnSpcReduction="20000"/>
           </a:bodyPr>
           <a:lstStyle/>
           <a:p>
@@ -8670,50 +8901,54 @@
             </a:pPr>
             <a:r>
               <a:rPr lang="pt-PT" sz="9600" dirty="0" err="1"/>
-              <a:t>Contract</a:t>
+              <a:t>Before</a:t>
+            </a:r>
+            <a:r>
+              <a:rPr lang="pt-PT" sz="9600" dirty="0"/>
+              <a:t> MEF ... </a:t>
+            </a:r>
+            <a:r>
+              <a:rPr lang="pt-PT" sz="9600" dirty="0" err="1"/>
+              <a:t>there</a:t>
             </a:r>
             <a:r>
               <a:rPr lang="pt-PT" sz="9600" dirty="0"/>
               <a:t> </a:t>
             </a:r>
             <a:r>
-              <a:rPr lang="pt-PT" sz="9600" dirty="0" err="1" smtClean="0"/>
-              <a:t>Oriented</a:t>
-            </a:r>
-            <a:r>
-              <a:rPr lang="pt-PT" sz="9600" dirty="0" smtClean="0"/>
-              <a:t> </a:t>
-            </a:r>
-            <a:r>
-              <a:rPr lang="pt-PT" sz="9600" dirty="0" err="1" smtClean="0"/>
-              <a:t>Development</a:t>
-            </a:r>
-            <a:endParaRPr lang="pt-PT" sz="9600" dirty="0"/>
+              <a:rPr lang="pt-PT" sz="9600" dirty="0" err="1"/>
+              <a:t>was</a:t>
+            </a:r>
+            <a:r>
+              <a:rPr lang="pt-PT" sz="9600" dirty="0"/>
+              <a:t> MAF</a:t>
+            </a:r>
+            <a:endParaRPr lang="pt-PT" sz="9600" dirty="0" smtClean="0"/>
           </a:p>
         </p:txBody>
       </p:sp>
     </p:spTree>
     <p:extLst>
       <p:ext uri="{BB962C8B-B14F-4D97-AF65-F5344CB8AC3E}">
-        <p14:creationId xmlns:p14="http://schemas.microsoft.com/office/powerpoint/2010/main" val="2695104454"/>
+        <p14:creationId xmlns:p14="http://schemas.microsoft.com/office/powerpoint/2010/main" xmlns="" val="3109839247"/>
       </p:ext>
     </p:extLst>
   </p:cSld>
   <p:clrMapOvr>
     <a:masterClrMapping/>
   </p:clrMapOvr>
-  <mc:AlternateContent xmlns:mc="http://schemas.openxmlformats.org/markup-compatibility/2006" xmlns:p14="http://schemas.microsoft.com/office/powerpoint/2010/main">
-    <mc:Choice Requires="p14">
+  <mc:AlternateContent xmlns:mc="http://schemas.openxmlformats.org/markup-compatibility/2006">
+    <mc:Choice xmlns:p14="http://schemas.microsoft.com/office/powerpoint/2010/main" xmlns="" Requires="p14">
       <p:transition spd="slow" p14:dur="2000"/>
     </mc:Choice>
-    <mc:Fallback xmlns="">
-      <p:transition xmlns:p14="http://schemas.microsoft.com/office/powerpoint/2010/main" spd="slow"/>
+    <mc:Fallback>
+      <p:transition spd="slow"/>
     </mc:Fallback>
   </mc:AlternateContent>
   <p:timing>
     <p:tnLst>
       <p:par>
-        <p:cTn xmlns:p14="http://schemas.microsoft.com/office/powerpoint/2010/main" id="1" dur="indefinite" restart="never" nodeType="tmRoot"/>
+        <p:cTn id="1" dur="indefinite" restart="never" nodeType="tmRoot"/>
       </p:par>
     </p:tnLst>
   </p:timing>
@@ -8739,82 +8974,75 @@
       </p:grpSpPr>
       <p:sp>
         <p:nvSpPr>
-          <p:cNvPr id="2" name="Title 1"/>
+          <p:cNvPr id="3" name="Content Placeholder 2"/>
           <p:cNvSpPr>
             <a:spLocks noGrp="1"/>
           </p:cNvSpPr>
           <p:nvPr>
-            <p:ph type="ctrTitle"/>
+            <p:ph idx="1"/>
           </p:nvPr>
         </p:nvSpPr>
         <p:spPr>
           <a:xfrm>
-            <a:off x="2809860" y="4038600"/>
-            <a:ext cx="6292359" cy="1319226"/>
+            <a:off x="488504" y="2957374"/>
+            <a:ext cx="8820980" cy="943253"/>
           </a:xfrm>
         </p:spPr>
         <p:txBody>
-          <a:bodyPr/>
+          <a:bodyPr>
+            <a:normAutofit fontScale="47500" lnSpcReduction="20000"/>
+          </a:bodyPr>
           <a:lstStyle/>
           <a:p>
-            <a:r>
-              <a:rPr lang="en-US" dirty="0" smtClean="0">
-                <a:solidFill>
-                  <a:schemeClr val="bg1">
-                    <a:lumMod val="50000"/>
-                  </a:schemeClr>
-                </a:solidFill>
-              </a:rPr>
-              <a:t>“Hello MEF”</a:t>
-            </a:r>
-            <a:endParaRPr lang="en-US" dirty="0">
-              <a:solidFill>
-                <a:schemeClr val="bg1">
-                  <a:lumMod val="50000"/>
-                </a:schemeClr>
-              </a:solidFill>
-            </a:endParaRPr>
-          </a:p>
-        </p:txBody>
-      </p:sp>
-      <p:sp>
-        <p:nvSpPr>
-          <p:cNvPr id="4" name="Text Placeholder 3"/>
-          <p:cNvSpPr>
-            <a:spLocks noGrp="1"/>
-          </p:cNvSpPr>
-          <p:nvPr>
-            <p:ph type="body" sz="quarter" idx="10"/>
-          </p:nvPr>
-        </p:nvSpPr>
-        <p:spPr/>
-        <p:txBody>
-          <a:bodyPr/>
-          <a:lstStyle/>
-          <a:p>
-            <a:r>
-              <a:rPr lang="en-US" dirty="0" err="1" smtClean="0"/>
-              <a:t>demonstração</a:t>
-            </a:r>
-            <a:r>
-              <a:rPr lang="en-US" dirty="0" smtClean="0"/>
+            <a:pPr algn="ctr">
+              <a:buNone/>
+            </a:pPr>
+            <a:r>
+              <a:rPr lang="pt-PT" sz="9600" dirty="0" err="1"/>
+              <a:t>Contract</a:t>
+            </a:r>
+            <a:r>
+              <a:rPr lang="pt-PT" sz="9600" dirty="0"/>
               <a:t> </a:t>
             </a:r>
-            <a:endParaRPr lang="en-US" dirty="0"/>
+            <a:r>
+              <a:rPr lang="pt-PT" sz="9600" dirty="0" err="1" smtClean="0"/>
+              <a:t>Oriented</a:t>
+            </a:r>
+            <a:r>
+              <a:rPr lang="pt-PT" sz="9600" dirty="0" smtClean="0"/>
+              <a:t> </a:t>
+            </a:r>
+            <a:r>
+              <a:rPr lang="pt-PT" sz="9600" dirty="0" err="1" smtClean="0"/>
+              <a:t>Development</a:t>
+            </a:r>
+            <a:endParaRPr lang="pt-PT" sz="9600" dirty="0"/>
           </a:p>
         </p:txBody>
       </p:sp>
     </p:spTree>
-    <p:extLst/>
+    <p:extLst>
+      <p:ext uri="{BB962C8B-B14F-4D97-AF65-F5344CB8AC3E}">
+        <p14:creationId xmlns:p14="http://schemas.microsoft.com/office/powerpoint/2010/main" xmlns="" val="2695104454"/>
+      </p:ext>
+    </p:extLst>
   </p:cSld>
   <p:clrMapOvr>
     <a:masterClrMapping/>
   </p:clrMapOvr>
-  <p:transition xmlns:p14="http://schemas.microsoft.com/office/powerpoint/2010/main"/>
+  <mc:AlternateContent xmlns:mc="http://schemas.openxmlformats.org/markup-compatibility/2006">
+    <mc:Choice xmlns:p14="http://schemas.microsoft.com/office/powerpoint/2010/main" xmlns="" Requires="p14">
+      <p:transition spd="slow" p14:dur="2000"/>
+    </mc:Choice>
+    <mc:Fallback>
+      <p:transition spd="slow"/>
+    </mc:Fallback>
+  </mc:AlternateContent>
   <p:timing>
     <p:tnLst>
       <p:par>
-        <p:cTn xmlns:p14="http://schemas.microsoft.com/office/powerpoint/2010/main" id="1" dur="indefinite" restart="never" nodeType="tmRoot"/>
+        <p:cTn id="1" dur="indefinite" restart="never" nodeType="tmRoot"/>
       </p:par>
     </p:tnLst>
   </p:timing>
@@ -8840,75 +9068,82 @@
       </p:grpSpPr>
       <p:sp>
         <p:nvSpPr>
-          <p:cNvPr id="3" name="Content Placeholder 2"/>
+          <p:cNvPr id="2" name="Title 1"/>
           <p:cNvSpPr>
             <a:spLocks noGrp="1"/>
           </p:cNvSpPr>
           <p:nvPr>
-            <p:ph idx="1"/>
+            <p:ph type="ctrTitle"/>
           </p:nvPr>
         </p:nvSpPr>
         <p:spPr>
           <a:xfrm>
-            <a:off x="488504" y="2957374"/>
-            <a:ext cx="8820980" cy="943253"/>
+            <a:off x="2809860" y="4038600"/>
+            <a:ext cx="6292359" cy="1319226"/>
           </a:xfrm>
         </p:spPr>
         <p:txBody>
-          <a:bodyPr>
-            <a:normAutofit fontScale="70000" lnSpcReduction="20000"/>
-          </a:bodyPr>
+          <a:bodyPr/>
           <a:lstStyle/>
           <a:p>
-            <a:pPr algn="ctr">
-              <a:buNone/>
-            </a:pPr>
-            <a:r>
-              <a:rPr lang="pt-PT" sz="9600" dirty="0" err="1"/>
-              <a:t>One</a:t>
-            </a:r>
-            <a:r>
-              <a:rPr lang="pt-PT" sz="9600" dirty="0"/>
+            <a:r>
+              <a:rPr lang="en-US" dirty="0" smtClean="0">
+                <a:solidFill>
+                  <a:schemeClr val="bg1">
+                    <a:lumMod val="50000"/>
+                  </a:schemeClr>
+                </a:solidFill>
+              </a:rPr>
+              <a:t>“Hello MEF”</a:t>
+            </a:r>
+            <a:endParaRPr lang="en-US" dirty="0">
+              <a:solidFill>
+                <a:schemeClr val="bg1">
+                  <a:lumMod val="50000"/>
+                </a:schemeClr>
+              </a:solidFill>
+            </a:endParaRPr>
+          </a:p>
+        </p:txBody>
+      </p:sp>
+      <p:sp>
+        <p:nvSpPr>
+          <p:cNvPr id="4" name="Text Placeholder 3"/>
+          <p:cNvSpPr>
+            <a:spLocks noGrp="1"/>
+          </p:cNvSpPr>
+          <p:nvPr>
+            <p:ph type="body" sz="quarter" idx="10"/>
+          </p:nvPr>
+        </p:nvSpPr>
+        <p:spPr/>
+        <p:txBody>
+          <a:bodyPr/>
+          <a:lstStyle/>
+          <a:p>
+            <a:r>
+              <a:rPr lang="en-US" dirty="0" err="1" smtClean="0"/>
+              <a:t>demonstração</a:t>
+            </a:r>
+            <a:r>
+              <a:rPr lang="en-US" dirty="0" smtClean="0"/>
               <a:t> </a:t>
             </a:r>
-            <a:r>
-              <a:rPr lang="pt-PT" sz="9600" dirty="0" err="1"/>
-              <a:t>step</a:t>
-            </a:r>
-            <a:r>
-              <a:rPr lang="pt-PT" sz="9600" dirty="0"/>
-              <a:t> </a:t>
-            </a:r>
-            <a:r>
-              <a:rPr lang="pt-PT" sz="9600" dirty="0" err="1"/>
-              <a:t>forward</a:t>
-            </a:r>
-            <a:endParaRPr lang="pt-PT" sz="9600" dirty="0"/>
+            <a:endParaRPr lang="en-US" dirty="0"/>
           </a:p>
         </p:txBody>
       </p:sp>
     </p:spTree>
-    <p:extLst>
-      <p:ext uri="{BB962C8B-B14F-4D97-AF65-F5344CB8AC3E}">
-        <p14:creationId xmlns:p14="http://schemas.microsoft.com/office/powerpoint/2010/main" val="2136643878"/>
-      </p:ext>
-    </p:extLst>
+    <p:extLst/>
   </p:cSld>
   <p:clrMapOvr>
     <a:masterClrMapping/>
   </p:clrMapOvr>
-  <mc:AlternateContent xmlns:mc="http://schemas.openxmlformats.org/markup-compatibility/2006" xmlns:p14="http://schemas.microsoft.com/office/powerpoint/2010/main">
-    <mc:Choice Requires="p14">
-      <p:transition spd="slow" p14:dur="2000"/>
-    </mc:Choice>
-    <mc:Fallback xmlns="">
-      <p:transition xmlns:p14="http://schemas.microsoft.com/office/powerpoint/2010/main" spd="slow"/>
-    </mc:Fallback>
-  </mc:AlternateContent>
+  <p:transition/>
   <p:timing>
     <p:tnLst>
       <p:par>
-        <p:cTn xmlns:p14="http://schemas.microsoft.com/office/powerpoint/2010/main" id="1" dur="indefinite" restart="never" nodeType="tmRoot"/>
+        <p:cTn id="1" dur="indefinite" restart="never" nodeType="tmRoot"/>
       </p:par>
     </p:tnLst>
   </p:timing>
